--- a/2015-2016/clases/informatica_basica/clase_5/2/clase_5_2.pptx
+++ b/2015-2016/clases/informatica_basica/clase_5/2/clase_5_2.pptx
@@ -2,8 +2,22 @@
 <file path=ppt/presentation.xml><?xml version="1.0" encoding="utf-8"?>
 <p:presentation xmlns:a="http://schemas.openxmlformats.org/drawingml/2006/main" xmlns:r="http://schemas.openxmlformats.org/officeDocument/2006/relationships" xmlns:p="http://schemas.openxmlformats.org/presentationml/2006/main" saveSubsetFonts="1">
   <p:sldMasterIdLst>
-    <p:sldMasterId id="2147483648" r:id="rId1"/>
+    <p:sldMasterId id="2147483660" r:id="rId1"/>
   </p:sldMasterIdLst>
+  <p:sldIdLst>
+    <p:sldId id="256" r:id="rId2"/>
+    <p:sldId id="257" r:id="rId3"/>
+    <p:sldId id="258" r:id="rId4"/>
+    <p:sldId id="259" r:id="rId5"/>
+    <p:sldId id="260" r:id="rId6"/>
+    <p:sldId id="261" r:id="rId7"/>
+    <p:sldId id="264" r:id="rId8"/>
+    <p:sldId id="262" r:id="rId9"/>
+    <p:sldId id="263" r:id="rId10"/>
+    <p:sldId id="265" r:id="rId11"/>
+    <p:sldId id="266" r:id="rId12"/>
+    <p:sldId id="267" r:id="rId13"/>
+  </p:sldIdLst>
   <p:sldSz cx="9144000" cy="6858000" type="screen4x3"/>
   <p:notesSz cx="6858000" cy="9144000"/>
   <p:defaultTextStyle>
@@ -105,8 +119,13 @@
 </file>
 
 <file path=ppt/slideLayouts/slideLayout1.xml><?xml version="1.0" encoding="utf-8"?>
-<p:sldLayout xmlns:a="http://schemas.openxmlformats.org/drawingml/2006/main" xmlns:r="http://schemas.openxmlformats.org/officeDocument/2006/relationships" xmlns:p="http://schemas.openxmlformats.org/presentationml/2006/main" type="title" preserve="1">
+<p:sldLayout xmlns:a="http://schemas.openxmlformats.org/drawingml/2006/main" xmlns:r="http://schemas.openxmlformats.org/officeDocument/2006/relationships" xmlns:p="http://schemas.openxmlformats.org/presentationml/2006/main" showMasterSp="0" type="title" preserve="1">
   <p:cSld name="Diapositiva de título">
+    <p:bg>
+      <p:bgRef idx="1003">
+        <a:schemeClr val="bg2"/>
+      </p:bgRef>
+    </p:bg>
     <p:spTree>
       <p:nvGrpSpPr>
         <p:cNvPr id="1" name=""/>
@@ -121,37 +140,342 @@
           <a:chExt cx="0" cy="0"/>
         </a:xfrm>
       </p:grpSpPr>
-      <p:sp>
-        <p:nvSpPr>
-          <p:cNvPr id="2" name="1 Título"/>
-          <p:cNvSpPr>
-            <a:spLocks noGrp="1"/>
-          </p:cNvSpPr>
-          <p:nvPr>
-            <p:ph type="ctrTitle"/>
-          </p:nvPr>
-        </p:nvSpPr>
+      <p:pic>
+        <p:nvPicPr>
+          <p:cNvPr id="7" name="Picture 6" descr="CoverOverlay.png"/>
+          <p:cNvPicPr>
+            <a:picLocks noChangeAspect="1"/>
+          </p:cNvPicPr>
+          <p:nvPr/>
+        </p:nvPicPr>
+        <p:blipFill>
+          <a:blip r:embed="rId2" cstate="print"/>
+          <a:stretch>
+            <a:fillRect/>
+          </a:stretch>
+        </p:blipFill>
         <p:spPr>
           <a:xfrm>
-            <a:off x="685800" y="2130425"/>
-            <a:ext cx="7772400" cy="1470025"/>
+            <a:off x="0" y="0"/>
+            <a:ext cx="9144000" cy="6858000"/>
+          </a:xfrm>
+          <a:prstGeom prst="rect">
+            <a:avLst/>
+          </a:prstGeom>
+        </p:spPr>
+      </p:pic>
+      <p:sp>
+        <p:nvSpPr>
+          <p:cNvPr id="4" name="Date Placeholder 3"/>
+          <p:cNvSpPr>
+            <a:spLocks noGrp="1"/>
+          </p:cNvSpPr>
+          <p:nvPr>
+            <p:ph type="dt" sz="half" idx="10"/>
+          </p:nvPr>
+        </p:nvSpPr>
+        <p:spPr/>
+        <p:txBody>
+          <a:bodyPr/>
+          <a:lstStyle>
+            <a:lvl1pPr>
+              <a:defRPr>
+                <a:solidFill>
+                  <a:schemeClr val="tx2"/>
+                </a:solidFill>
+              </a:defRPr>
+            </a:lvl1pPr>
+          </a:lstStyle>
+          <a:p>
+            <a:fld id="{7A847CFC-816F-41D0-AAC0-9BF4FEBC753E}" type="datetimeFigureOut">
+              <a:rPr lang="es-ES" smtClean="0"/>
+              <a:t>26/05/2015</a:t>
+            </a:fld>
+            <a:endParaRPr lang="es-ES"/>
+          </a:p>
+        </p:txBody>
+      </p:sp>
+      <p:sp>
+        <p:nvSpPr>
+          <p:cNvPr id="5" name="Footer Placeholder 4"/>
+          <p:cNvSpPr>
+            <a:spLocks noGrp="1"/>
+          </p:cNvSpPr>
+          <p:nvPr>
+            <p:ph type="ftr" sz="quarter" idx="11"/>
+          </p:nvPr>
+        </p:nvSpPr>
+        <p:spPr/>
+        <p:txBody>
+          <a:bodyPr/>
+          <a:lstStyle>
+            <a:lvl1pPr>
+              <a:defRPr>
+                <a:solidFill>
+                  <a:schemeClr val="tx2"/>
+                </a:solidFill>
+              </a:defRPr>
+            </a:lvl1pPr>
+          </a:lstStyle>
+          <a:p>
+            <a:endParaRPr lang="es-ES"/>
+          </a:p>
+        </p:txBody>
+      </p:sp>
+      <p:sp>
+        <p:nvSpPr>
+          <p:cNvPr id="6" name="Slide Number Placeholder 5"/>
+          <p:cNvSpPr>
+            <a:spLocks noGrp="1"/>
+          </p:cNvSpPr>
+          <p:nvPr>
+            <p:ph type="sldNum" sz="quarter" idx="12"/>
+          </p:nvPr>
+        </p:nvSpPr>
+        <p:spPr/>
+        <p:txBody>
+          <a:bodyPr/>
+          <a:lstStyle>
+            <a:lvl1pPr>
+              <a:defRPr>
+                <a:solidFill>
+                  <a:schemeClr val="tx2"/>
+                </a:solidFill>
+              </a:defRPr>
+            </a:lvl1pPr>
+          </a:lstStyle>
+          <a:p>
+            <a:fld id="{132FADFE-3B8F-471C-ABF0-DBC7717ECBBC}" type="slidenum">
+              <a:rPr lang="es-ES" smtClean="0"/>
+              <a:t>‹Nº›</a:t>
+            </a:fld>
+            <a:endParaRPr lang="es-ES"/>
+          </a:p>
+        </p:txBody>
+      </p:sp>
+      <p:grpSp>
+        <p:nvGrpSpPr>
+          <p:cNvPr id="8" name="Group 7"/>
+          <p:cNvGrpSpPr/>
+          <p:nvPr/>
+        </p:nvGrpSpPr>
+        <p:grpSpPr>
+          <a:xfrm>
+            <a:off x="1194101" y="2887530"/>
+            <a:ext cx="6779110" cy="923330"/>
+            <a:chOff x="1172584" y="1381459"/>
+            <a:chExt cx="6779110" cy="923330"/>
+          </a:xfrm>
+          <a:effectLst>
+            <a:outerShdw blurRad="38100" dist="12700" dir="16200000" rotWithShape="0">
+              <a:prstClr val="black">
+                <a:alpha val="30000"/>
+              </a:prstClr>
+            </a:outerShdw>
+          </a:effectLst>
+        </p:grpSpPr>
+        <p:sp>
+          <p:nvSpPr>
+            <p:cNvPr id="9" name="TextBox 8"/>
+            <p:cNvSpPr txBox="1"/>
+            <p:nvPr/>
+          </p:nvSpPr>
+          <p:spPr>
+            <a:xfrm>
+              <a:off x="4147073" y="1381459"/>
+              <a:ext cx="877163" cy="923330"/>
+            </a:xfrm>
+            <a:prstGeom prst="rect">
+              <a:avLst/>
+            </a:prstGeom>
+            <a:noFill/>
+          </p:spPr>
+          <p:txBody>
+            <a:bodyPr wrap="none" rtlCol="0">
+              <a:spAutoFit/>
+            </a:bodyPr>
+            <a:lstStyle/>
+            <a:p>
+              <a:r>
+                <a:rPr lang="en-US" sz="5400" dirty="0" smtClean="0">
+                  <a:ln w="3175">
+                    <a:solidFill>
+                      <a:schemeClr val="tx2">
+                        <a:alpha val="60000"/>
+                      </a:schemeClr>
+                    </a:solidFill>
+                  </a:ln>
+                  <a:solidFill>
+                    <a:schemeClr val="tx2">
+                      <a:lumMod val="90000"/>
+                    </a:schemeClr>
+                  </a:solidFill>
+                  <a:effectLst>
+                    <a:outerShdw blurRad="34925" dist="12700" dir="14400000" algn="ctr" rotWithShape="0">
+                      <a:srgbClr val="000000">
+                        <a:alpha val="21000"/>
+                      </a:srgbClr>
+                    </a:outerShdw>
+                  </a:effectLst>
+                  <a:latin typeface="Wingdings" pitchFamily="2" charset="2"/>
+                </a:rPr>
+                <a:t></a:t>
+              </a:r>
+              <a:endParaRPr lang="en-US" sz="5400" dirty="0">
+                <a:ln w="3175">
+                  <a:solidFill>
+                    <a:schemeClr val="tx2">
+                      <a:alpha val="60000"/>
+                    </a:schemeClr>
+                  </a:solidFill>
+                </a:ln>
+                <a:solidFill>
+                  <a:schemeClr val="tx2">
+                    <a:lumMod val="90000"/>
+                  </a:schemeClr>
+                </a:solidFill>
+                <a:effectLst>
+                  <a:outerShdw blurRad="34925" dist="12700" dir="14400000" algn="ctr" rotWithShape="0">
+                    <a:srgbClr val="000000">
+                      <a:alpha val="21000"/>
+                    </a:srgbClr>
+                  </a:outerShdw>
+                </a:effectLst>
+                <a:latin typeface="Wingdings" pitchFamily="2" charset="2"/>
+              </a:endParaRPr>
+            </a:p>
+          </p:txBody>
+        </p:sp>
+        <p:cxnSp>
+          <p:nvCxnSpPr>
+            <p:cNvPr id="10" name="Straight Connector 9"/>
+            <p:cNvCxnSpPr/>
+            <p:nvPr/>
+          </p:nvCxnSpPr>
+          <p:spPr>
+            <a:xfrm rot="10800000">
+              <a:off x="1172584" y="1925620"/>
+              <a:ext cx="3119718" cy="1588"/>
+            </a:xfrm>
+            <a:prstGeom prst="line">
+              <a:avLst/>
+            </a:prstGeom>
+            <a:ln>
+              <a:solidFill>
+                <a:schemeClr val="tx2">
+                  <a:lumMod val="90000"/>
+                </a:schemeClr>
+              </a:solidFill>
+            </a:ln>
+            <a:effectLst/>
+          </p:spPr>
+          <p:style>
+            <a:lnRef idx="1">
+              <a:schemeClr val="accent1"/>
+            </a:lnRef>
+            <a:fillRef idx="0">
+              <a:schemeClr val="accent1"/>
+            </a:fillRef>
+            <a:effectRef idx="0">
+              <a:schemeClr val="accent1"/>
+            </a:effectRef>
+            <a:fontRef idx="minor">
+              <a:schemeClr val="tx1"/>
+            </a:fontRef>
+          </p:style>
+        </p:cxnSp>
+        <p:cxnSp>
+          <p:nvCxnSpPr>
+            <p:cNvPr id="11" name="Straight Connector 10"/>
+            <p:cNvCxnSpPr/>
+            <p:nvPr/>
+          </p:nvCxnSpPr>
+          <p:spPr>
+            <a:xfrm rot="10800000">
+              <a:off x="4831976" y="1922930"/>
+              <a:ext cx="3119718" cy="1588"/>
+            </a:xfrm>
+            <a:prstGeom prst="line">
+              <a:avLst/>
+            </a:prstGeom>
+            <a:ln>
+              <a:solidFill>
+                <a:schemeClr val="tx2">
+                  <a:lumMod val="90000"/>
+                </a:schemeClr>
+              </a:solidFill>
+            </a:ln>
+            <a:effectLst/>
+          </p:spPr>
+          <p:style>
+            <a:lnRef idx="1">
+              <a:schemeClr val="accent1"/>
+            </a:lnRef>
+            <a:fillRef idx="0">
+              <a:schemeClr val="accent1"/>
+            </a:fillRef>
+            <a:effectRef idx="0">
+              <a:schemeClr val="accent1"/>
+            </a:effectRef>
+            <a:fontRef idx="minor">
+              <a:schemeClr val="tx1"/>
+            </a:fontRef>
+          </p:style>
+        </p:cxnSp>
+      </p:grpSp>
+      <p:sp>
+        <p:nvSpPr>
+          <p:cNvPr id="2" name="Title 1"/>
+          <p:cNvSpPr>
+            <a:spLocks noGrp="1"/>
+          </p:cNvSpPr>
+          <p:nvPr>
+            <p:ph type="ctrTitle"/>
+          </p:nvPr>
+        </p:nvSpPr>
+        <p:spPr>
+          <a:xfrm>
+            <a:off x="1183341" y="1387737"/>
+            <a:ext cx="6777318" cy="1731982"/>
           </a:xfrm>
         </p:spPr>
         <p:txBody>
-          <a:bodyPr/>
-          <a:lstStyle/>
+          <a:bodyPr anchor="b"/>
+          <a:lstStyle>
+            <a:lvl1pPr>
+              <a:defRPr>
+                <a:ln w="3175">
+                  <a:solidFill>
+                    <a:schemeClr val="tx1">
+                      <a:alpha val="65000"/>
+                    </a:schemeClr>
+                  </a:solidFill>
+                </a:ln>
+                <a:solidFill>
+                  <a:schemeClr val="tx1"/>
+                </a:solidFill>
+                <a:effectLst>
+                  <a:outerShdw blurRad="25400" dist="12700" dir="14220000" rotWithShape="0">
+                    <a:prstClr val="black">
+                      <a:alpha val="50000"/>
+                    </a:prstClr>
+                  </a:outerShdw>
+                </a:effectLst>
+              </a:defRPr>
+            </a:lvl1pPr>
+          </a:lstStyle>
           <a:p>
             <a:r>
               <a:rPr lang="es-ES" smtClean="0"/>
               <a:t>Haga clic para modificar el estilo de título del patrón</a:t>
             </a:r>
-            <a:endParaRPr lang="es-ES"/>
-          </a:p>
-        </p:txBody>
-      </p:sp>
-      <p:sp>
-        <p:nvSpPr>
-          <p:cNvPr id="3" name="2 Subtítulo"/>
+            <a:endParaRPr lang="en-US" dirty="0"/>
+          </a:p>
+        </p:txBody>
+      </p:sp>
+      <p:sp>
+        <p:nvSpPr>
+          <p:cNvPr id="3" name="Subtitle 2"/>
           <p:cNvSpPr>
             <a:spLocks noGrp="1"/>
           </p:cNvSpPr>
@@ -161,7 +485,7 @@
         </p:nvSpPr>
         <p:spPr>
           <a:xfrm>
-            <a:off x="1371600" y="3886200"/>
+            <a:off x="1371600" y="3767862"/>
             <a:ext cx="6400800" cy="1752600"/>
           </a:xfrm>
         </p:spPr>
@@ -172,10 +496,15 @@
               <a:buNone/>
               <a:defRPr>
                 <a:solidFill>
-                  <a:schemeClr val="tx1">
-                    <a:tint val="75000"/>
-                  </a:schemeClr>
+                  <a:schemeClr val="tx1"/>
                 </a:solidFill>
+                <a:effectLst>
+                  <a:outerShdw blurRad="34925" dist="12700" dir="14400000" rotWithShape="0">
+                    <a:prstClr val="black">
+                      <a:alpha val="21000"/>
+                    </a:prstClr>
+                  </a:outerShdw>
+                </a:effectLst>
               </a:defRPr>
             </a:lvl1pPr>
             <a:lvl2pPr marL="457200" indent="0" algn="ctr">
@@ -264,79 +593,14 @@
               <a:rPr lang="es-ES" smtClean="0"/>
               <a:t>Haga clic para modificar el estilo de subtítulo del patrón</a:t>
             </a:r>
-            <a:endParaRPr lang="es-ES"/>
-          </a:p>
-        </p:txBody>
-      </p:sp>
-      <p:sp>
-        <p:nvSpPr>
-          <p:cNvPr id="4" name="3 Marcador de fecha"/>
-          <p:cNvSpPr>
-            <a:spLocks noGrp="1"/>
-          </p:cNvSpPr>
-          <p:nvPr>
-            <p:ph type="dt" sz="half" idx="10"/>
-          </p:nvPr>
-        </p:nvSpPr>
-        <p:spPr/>
-        <p:txBody>
-          <a:bodyPr/>
-          <a:lstStyle/>
-          <a:p>
-            <a:fld id="{7A847CFC-816F-41D0-AAC0-9BF4FEBC753E}" type="datetimeFigureOut">
-              <a:rPr lang="es-ES" smtClean="0"/>
-              <a:t>25/05/2015</a:t>
-            </a:fld>
-            <a:endParaRPr lang="es-ES"/>
-          </a:p>
-        </p:txBody>
-      </p:sp>
-      <p:sp>
-        <p:nvSpPr>
-          <p:cNvPr id="5" name="4 Marcador de pie de página"/>
-          <p:cNvSpPr>
-            <a:spLocks noGrp="1"/>
-          </p:cNvSpPr>
-          <p:nvPr>
-            <p:ph type="ftr" sz="quarter" idx="11"/>
-          </p:nvPr>
-        </p:nvSpPr>
-        <p:spPr/>
-        <p:txBody>
-          <a:bodyPr/>
-          <a:lstStyle/>
-          <a:p>
-            <a:endParaRPr lang="es-ES"/>
-          </a:p>
-        </p:txBody>
-      </p:sp>
-      <p:sp>
-        <p:nvSpPr>
-          <p:cNvPr id="6" name="5 Marcador de número de diapositiva"/>
-          <p:cNvSpPr>
-            <a:spLocks noGrp="1"/>
-          </p:cNvSpPr>
-          <p:nvPr>
-            <p:ph type="sldNum" sz="quarter" idx="12"/>
-          </p:nvPr>
-        </p:nvSpPr>
-        <p:spPr/>
-        <p:txBody>
-          <a:bodyPr/>
-          <a:lstStyle/>
-          <a:p>
-            <a:fld id="{132FADFE-3B8F-471C-ABF0-DBC7717ECBBC}" type="slidenum">
-              <a:rPr lang="es-ES" smtClean="0"/>
-              <a:t>‹Nº›</a:t>
-            </a:fld>
-            <a:endParaRPr lang="es-ES"/>
+            <a:endParaRPr lang="en-US" dirty="0"/>
           </a:p>
         </p:txBody>
       </p:sp>
     </p:spTree>
   </p:cSld>
   <p:clrMapOvr>
-    <a:masterClrMapping/>
+    <a:overrideClrMapping bg1="dk1" tx1="lt1" bg2="dk2" tx2="lt2" accent1="accent1" accent2="accent2" accent3="accent3" accent4="accent4" accent5="accent5" accent6="accent6" hlink="hlink" folHlink="folHlink"/>
   </p:clrMapOvr>
 </p:sldLayout>
 </file>
@@ -360,7 +624,7 @@
       </p:grpSpPr>
       <p:sp>
         <p:nvSpPr>
-          <p:cNvPr id="2" name="1 Título"/>
+          <p:cNvPr id="2" name="Title 1"/>
           <p:cNvSpPr>
             <a:spLocks noGrp="1"/>
           </p:cNvSpPr>
@@ -377,13 +641,13 @@
               <a:rPr lang="es-ES" smtClean="0"/>
               <a:t>Haga clic para modificar el estilo de título del patrón</a:t>
             </a:r>
-            <a:endParaRPr lang="es-ES"/>
-          </a:p>
-        </p:txBody>
-      </p:sp>
-      <p:sp>
-        <p:nvSpPr>
-          <p:cNvPr id="3" name="2 Marcador de texto vertical"/>
+            <a:endParaRPr lang="en-US"/>
+          </a:p>
+        </p:txBody>
+      </p:sp>
+      <p:sp>
+        <p:nvSpPr>
+          <p:cNvPr id="3" name="Vertical Text Placeholder 2"/>
           <p:cNvSpPr>
             <a:spLocks noGrp="1"/>
           </p:cNvSpPr>
@@ -393,7 +657,7 @@
         </p:nvSpPr>
         <p:spPr/>
         <p:txBody>
-          <a:bodyPr vert="eaVert"/>
+          <a:bodyPr vert="eaVert" anchor="ctr"/>
           <a:lstStyle/>
           <a:p>
             <a:pPr lvl="0"/>
@@ -429,13 +693,13 @@
               <a:rPr lang="es-ES" smtClean="0"/>
               <a:t>Quinto nivel</a:t>
             </a:r>
-            <a:endParaRPr lang="es-ES"/>
-          </a:p>
-        </p:txBody>
-      </p:sp>
-      <p:sp>
-        <p:nvSpPr>
-          <p:cNvPr id="4" name="3 Marcador de fecha"/>
+            <a:endParaRPr lang="en-US"/>
+          </a:p>
+        </p:txBody>
+      </p:sp>
+      <p:sp>
+        <p:nvSpPr>
+          <p:cNvPr id="4" name="Date Placeholder 3"/>
           <p:cNvSpPr>
             <a:spLocks noGrp="1"/>
           </p:cNvSpPr>
@@ -450,7 +714,7 @@
           <a:p>
             <a:fld id="{7A847CFC-816F-41D0-AAC0-9BF4FEBC753E}" type="datetimeFigureOut">
               <a:rPr lang="es-ES" smtClean="0"/>
-              <a:t>25/05/2015</a:t>
+              <a:t>26/05/2015</a:t>
             </a:fld>
             <a:endParaRPr lang="es-ES"/>
           </a:p>
@@ -458,7 +722,7 @@
       </p:sp>
       <p:sp>
         <p:nvSpPr>
-          <p:cNvPr id="5" name="4 Marcador de pie de página"/>
+          <p:cNvPr id="5" name="Footer Placeholder 4"/>
           <p:cNvSpPr>
             <a:spLocks noGrp="1"/>
           </p:cNvSpPr>
@@ -477,7 +741,7 @@
       </p:sp>
       <p:sp>
         <p:nvSpPr>
-          <p:cNvPr id="6" name="5 Marcador de número de diapositiva"/>
+          <p:cNvPr id="6" name="Slide Number Placeholder 5"/>
           <p:cNvSpPr>
             <a:spLocks noGrp="1"/>
           </p:cNvSpPr>
@@ -498,6 +762,145 @@
           </a:p>
         </p:txBody>
       </p:sp>
+      <p:grpSp>
+        <p:nvGrpSpPr>
+          <p:cNvPr id="11" name="Group 10"/>
+          <p:cNvGrpSpPr/>
+          <p:nvPr/>
+        </p:nvGrpSpPr>
+        <p:grpSpPr>
+          <a:xfrm>
+            <a:off x="1172584" y="1392217"/>
+            <a:ext cx="6779110" cy="923330"/>
+            <a:chOff x="1172584" y="1381459"/>
+            <a:chExt cx="6779110" cy="923330"/>
+          </a:xfrm>
+        </p:grpSpPr>
+        <p:sp>
+          <p:nvSpPr>
+            <p:cNvPr id="15" name="TextBox 14"/>
+            <p:cNvSpPr txBox="1"/>
+            <p:nvPr/>
+          </p:nvSpPr>
+          <p:spPr>
+            <a:xfrm>
+              <a:off x="4147073" y="1381459"/>
+              <a:ext cx="877163" cy="923330"/>
+            </a:xfrm>
+            <a:prstGeom prst="rect">
+              <a:avLst/>
+            </a:prstGeom>
+            <a:noFill/>
+          </p:spPr>
+          <p:txBody>
+            <a:bodyPr wrap="none" rtlCol="0">
+              <a:spAutoFit/>
+            </a:bodyPr>
+            <a:lstStyle/>
+            <a:p>
+              <a:r>
+                <a:rPr lang="en-US" sz="5400" dirty="0" smtClean="0">
+                  <a:solidFill>
+                    <a:schemeClr val="tx2">
+                      <a:lumMod val="60000"/>
+                      <a:lumOff val="40000"/>
+                    </a:schemeClr>
+                  </a:solidFill>
+                  <a:latin typeface="Wingdings" pitchFamily="2" charset="2"/>
+                </a:rPr>
+                <a:t></a:t>
+              </a:r>
+              <a:endParaRPr lang="en-US" sz="5400" dirty="0">
+                <a:solidFill>
+                  <a:schemeClr val="tx2">
+                    <a:lumMod val="60000"/>
+                    <a:lumOff val="40000"/>
+                  </a:schemeClr>
+                </a:solidFill>
+                <a:latin typeface="Wingdings" pitchFamily="2" charset="2"/>
+              </a:endParaRPr>
+            </a:p>
+          </p:txBody>
+        </p:sp>
+        <p:cxnSp>
+          <p:nvCxnSpPr>
+            <p:cNvPr id="16" name="Straight Connector 15"/>
+            <p:cNvCxnSpPr/>
+            <p:nvPr/>
+          </p:nvCxnSpPr>
+          <p:spPr>
+            <a:xfrm rot="10800000">
+              <a:off x="1172584" y="1925620"/>
+              <a:ext cx="3119718" cy="1588"/>
+            </a:xfrm>
+            <a:prstGeom prst="line">
+              <a:avLst/>
+            </a:prstGeom>
+            <a:ln>
+              <a:solidFill>
+                <a:schemeClr val="tx2">
+                  <a:lumMod val="60000"/>
+                  <a:lumOff val="40000"/>
+                </a:schemeClr>
+              </a:solidFill>
+            </a:ln>
+            <a:effectLst/>
+          </p:spPr>
+          <p:style>
+            <a:lnRef idx="1">
+              <a:schemeClr val="accent1"/>
+            </a:lnRef>
+            <a:fillRef idx="0">
+              <a:schemeClr val="accent1"/>
+            </a:fillRef>
+            <a:effectRef idx="0">
+              <a:schemeClr val="accent1"/>
+            </a:effectRef>
+            <a:fontRef idx="minor">
+              <a:schemeClr val="tx1"/>
+            </a:fontRef>
+          </p:style>
+        </p:cxnSp>
+        <p:cxnSp>
+          <p:nvCxnSpPr>
+            <p:cNvPr id="17" name="Straight Connector 16"/>
+            <p:cNvCxnSpPr/>
+            <p:nvPr/>
+          </p:nvCxnSpPr>
+          <p:spPr>
+            <a:xfrm rot="10800000">
+              <a:off x="4831976" y="1922650"/>
+              <a:ext cx="3119718" cy="1588"/>
+            </a:xfrm>
+            <a:prstGeom prst="line">
+              <a:avLst/>
+            </a:prstGeom>
+            <a:ln>
+              <a:solidFill>
+                <a:schemeClr val="tx2">
+                  <a:lumMod val="60000"/>
+                  <a:lumOff val="40000"/>
+                </a:schemeClr>
+              </a:solidFill>
+            </a:ln>
+            <a:effectLst/>
+          </p:spPr>
+          <p:style>
+            <a:lnRef idx="1">
+              <a:schemeClr val="accent1"/>
+            </a:lnRef>
+            <a:fillRef idx="0">
+              <a:schemeClr val="accent1"/>
+            </a:fillRef>
+            <a:effectRef idx="0">
+              <a:schemeClr val="accent1"/>
+            </a:effectRef>
+            <a:fontRef idx="minor">
+              <a:schemeClr val="tx1"/>
+            </a:fontRef>
+          </p:style>
+        </p:cxnSp>
+      </p:grpSp>
     </p:spTree>
   </p:cSld>
   <p:clrMapOvr>
@@ -525,7 +928,7 @@
       </p:grpSpPr>
       <p:sp>
         <p:nvSpPr>
-          <p:cNvPr id="2" name="1 Título vertical"/>
+          <p:cNvPr id="2" name="Vertical Title 1"/>
           <p:cNvSpPr>
             <a:spLocks noGrp="1"/>
           </p:cNvSpPr>
@@ -535,8 +938,8 @@
         </p:nvSpPr>
         <p:spPr>
           <a:xfrm>
-            <a:off x="6629400" y="274638"/>
-            <a:ext cx="2057400" cy="5851525"/>
+            <a:off x="6766560" y="559398"/>
+            <a:ext cx="1678193" cy="5566765"/>
           </a:xfrm>
         </p:spPr>
         <p:txBody>
@@ -547,13 +950,13 @@
               <a:rPr lang="es-ES" smtClean="0"/>
               <a:t>Haga clic para modificar el estilo de título del patrón</a:t>
             </a:r>
-            <a:endParaRPr lang="es-ES"/>
-          </a:p>
-        </p:txBody>
-      </p:sp>
-      <p:sp>
-        <p:nvSpPr>
-          <p:cNvPr id="3" name="2 Marcador de texto vertical"/>
+            <a:endParaRPr lang="en-US" dirty="0"/>
+          </a:p>
+        </p:txBody>
+      </p:sp>
+      <p:sp>
+        <p:nvSpPr>
+          <p:cNvPr id="3" name="Vertical Text Placeholder 2"/>
           <p:cNvSpPr>
             <a:spLocks noGrp="1"/>
           </p:cNvSpPr>
@@ -563,8 +966,8 @@
         </p:nvSpPr>
         <p:spPr>
           <a:xfrm>
-            <a:off x="457200" y="274638"/>
-            <a:ext cx="6019800" cy="5851525"/>
+            <a:off x="688488" y="849854"/>
+            <a:ext cx="5507917" cy="5023821"/>
           </a:xfrm>
         </p:spPr>
         <p:txBody>
@@ -604,13 +1007,13 @@
               <a:rPr lang="es-ES" smtClean="0"/>
               <a:t>Quinto nivel</a:t>
             </a:r>
-            <a:endParaRPr lang="es-ES"/>
-          </a:p>
-        </p:txBody>
-      </p:sp>
-      <p:sp>
-        <p:nvSpPr>
-          <p:cNvPr id="4" name="3 Marcador de fecha"/>
+            <a:endParaRPr lang="en-US"/>
+          </a:p>
+        </p:txBody>
+      </p:sp>
+      <p:sp>
+        <p:nvSpPr>
+          <p:cNvPr id="4" name="Date Placeholder 3"/>
           <p:cNvSpPr>
             <a:spLocks noGrp="1"/>
           </p:cNvSpPr>
@@ -625,7 +1028,7 @@
           <a:p>
             <a:fld id="{7A847CFC-816F-41D0-AAC0-9BF4FEBC753E}" type="datetimeFigureOut">
               <a:rPr lang="es-ES" smtClean="0"/>
-              <a:t>25/05/2015</a:t>
+              <a:t>26/05/2015</a:t>
             </a:fld>
             <a:endParaRPr lang="es-ES"/>
           </a:p>
@@ -633,7 +1036,7 @@
       </p:sp>
       <p:sp>
         <p:nvSpPr>
-          <p:cNvPr id="5" name="4 Marcador de pie de página"/>
+          <p:cNvPr id="5" name="Footer Placeholder 4"/>
           <p:cNvSpPr>
             <a:spLocks noGrp="1"/>
           </p:cNvSpPr>
@@ -652,7 +1055,7 @@
       </p:sp>
       <p:sp>
         <p:nvSpPr>
-          <p:cNvPr id="6" name="5 Marcador de número de diapositiva"/>
+          <p:cNvPr id="6" name="Slide Number Placeholder 5"/>
           <p:cNvSpPr>
             <a:spLocks noGrp="1"/>
           </p:cNvSpPr>
@@ -673,6 +1076,145 @@
           </a:p>
         </p:txBody>
       </p:sp>
+      <p:grpSp>
+        <p:nvGrpSpPr>
+          <p:cNvPr id="11" name="Group 10"/>
+          <p:cNvGrpSpPr/>
+          <p:nvPr/>
+        </p:nvGrpSpPr>
+        <p:grpSpPr>
+          <a:xfrm rot="5400000">
+            <a:off x="3909050" y="2880823"/>
+            <a:ext cx="5480154" cy="923330"/>
+            <a:chOff x="1815339" y="1381459"/>
+            <a:chExt cx="5480154" cy="923330"/>
+          </a:xfrm>
+        </p:grpSpPr>
+        <p:sp>
+          <p:nvSpPr>
+            <p:cNvPr id="12" name="TextBox 11"/>
+            <p:cNvSpPr txBox="1"/>
+            <p:nvPr/>
+          </p:nvSpPr>
+          <p:spPr>
+            <a:xfrm>
+              <a:off x="4147073" y="1381459"/>
+              <a:ext cx="877163" cy="923330"/>
+            </a:xfrm>
+            <a:prstGeom prst="rect">
+              <a:avLst/>
+            </a:prstGeom>
+            <a:noFill/>
+          </p:spPr>
+          <p:txBody>
+            <a:bodyPr wrap="none" rtlCol="0">
+              <a:spAutoFit/>
+            </a:bodyPr>
+            <a:lstStyle/>
+            <a:p>
+              <a:r>
+                <a:rPr lang="en-US" sz="5400" dirty="0" smtClean="0">
+                  <a:solidFill>
+                    <a:schemeClr val="tx2">
+                      <a:lumMod val="60000"/>
+                      <a:lumOff val="40000"/>
+                    </a:schemeClr>
+                  </a:solidFill>
+                  <a:latin typeface="Wingdings" pitchFamily="2" charset="2"/>
+                </a:rPr>
+                <a:t></a:t>
+              </a:r>
+              <a:endParaRPr lang="en-US" sz="5400" dirty="0">
+                <a:solidFill>
+                  <a:schemeClr val="tx2">
+                    <a:lumMod val="60000"/>
+                    <a:lumOff val="40000"/>
+                  </a:schemeClr>
+                </a:solidFill>
+                <a:latin typeface="Wingdings" pitchFamily="2" charset="2"/>
+              </a:endParaRPr>
+            </a:p>
+          </p:txBody>
+        </p:sp>
+        <p:cxnSp>
+          <p:nvCxnSpPr>
+            <p:cNvPr id="13" name="Straight Connector 12"/>
+            <p:cNvCxnSpPr/>
+            <p:nvPr/>
+          </p:nvCxnSpPr>
+          <p:spPr>
+            <a:xfrm flipH="1" flipV="1">
+              <a:off x="1815339" y="1924709"/>
+              <a:ext cx="2468880" cy="2505"/>
+            </a:xfrm>
+            <a:prstGeom prst="line">
+              <a:avLst/>
+            </a:prstGeom>
+            <a:ln>
+              <a:solidFill>
+                <a:schemeClr val="tx2">
+                  <a:lumMod val="60000"/>
+                  <a:lumOff val="40000"/>
+                </a:schemeClr>
+              </a:solidFill>
+            </a:ln>
+            <a:effectLst/>
+          </p:spPr>
+          <p:style>
+            <a:lnRef idx="1">
+              <a:schemeClr val="accent1"/>
+            </a:lnRef>
+            <a:fillRef idx="0">
+              <a:schemeClr val="accent1"/>
+            </a:fillRef>
+            <a:effectRef idx="0">
+              <a:schemeClr val="accent1"/>
+            </a:effectRef>
+            <a:fontRef idx="minor">
+              <a:schemeClr val="tx1"/>
+            </a:fontRef>
+          </p:style>
+        </p:cxnSp>
+        <p:cxnSp>
+          <p:nvCxnSpPr>
+            <p:cNvPr id="14" name="Straight Connector 13"/>
+            <p:cNvCxnSpPr/>
+            <p:nvPr/>
+          </p:nvCxnSpPr>
+          <p:spPr>
+            <a:xfrm rot="10800000">
+              <a:off x="4826613" y="1927417"/>
+              <a:ext cx="2468880" cy="1588"/>
+            </a:xfrm>
+            <a:prstGeom prst="line">
+              <a:avLst/>
+            </a:prstGeom>
+            <a:ln>
+              <a:solidFill>
+                <a:schemeClr val="tx2">
+                  <a:lumMod val="60000"/>
+                  <a:lumOff val="40000"/>
+                </a:schemeClr>
+              </a:solidFill>
+            </a:ln>
+            <a:effectLst/>
+          </p:spPr>
+          <p:style>
+            <a:lnRef idx="1">
+              <a:schemeClr val="accent1"/>
+            </a:lnRef>
+            <a:fillRef idx="0">
+              <a:schemeClr val="accent1"/>
+            </a:fillRef>
+            <a:effectRef idx="0">
+              <a:schemeClr val="accent1"/>
+            </a:effectRef>
+            <a:fontRef idx="minor">
+              <a:schemeClr val="tx1"/>
+            </a:fontRef>
+          </p:style>
+        </p:cxnSp>
+      </p:grpSp>
     </p:spTree>
   </p:cSld>
   <p:clrMapOvr>
@@ -684,6 +1226,11 @@
 <file path=ppt/slideLayouts/slideLayout2.xml><?xml version="1.0" encoding="utf-8"?>
 <p:sldLayout xmlns:a="http://schemas.openxmlformats.org/drawingml/2006/main" xmlns:r="http://schemas.openxmlformats.org/officeDocument/2006/relationships" xmlns:p="http://schemas.openxmlformats.org/presentationml/2006/main" type="obj" preserve="1">
   <p:cSld name="Título y objetos">
+    <p:bg>
+      <p:bgRef idx="1002">
+        <a:schemeClr val="bg1"/>
+      </p:bgRef>
+    </p:bg>
     <p:spTree>
       <p:nvGrpSpPr>
         <p:cNvPr id="1" name=""/>
@@ -700,12 +1247,12 @@
       </p:grpSpPr>
       <p:sp>
         <p:nvSpPr>
-          <p:cNvPr id="2" name="1 Título"/>
-          <p:cNvSpPr>
-            <a:spLocks noGrp="1"/>
-          </p:cNvSpPr>
-          <p:nvPr>
-            <p:ph type="title"/>
+          <p:cNvPr id="3" name="Content Placeholder 2"/>
+          <p:cNvSpPr>
+            <a:spLocks noGrp="1"/>
+          </p:cNvSpPr>
+          <p:nvPr>
+            <p:ph idx="1"/>
           </p:nvPr>
         </p:nvSpPr>
         <p:spPr/>
@@ -713,22 +1260,51 @@
           <a:bodyPr/>
           <a:lstStyle/>
           <a:p>
-            <a:r>
-              <a:rPr lang="es-ES" smtClean="0"/>
-              <a:t>Haga clic para modificar el estilo de título del patrón</a:t>
-            </a:r>
-            <a:endParaRPr lang="es-ES"/>
-          </a:p>
-        </p:txBody>
-      </p:sp>
-      <p:sp>
-        <p:nvSpPr>
-          <p:cNvPr id="3" name="2 Marcador de contenido"/>
-          <p:cNvSpPr>
-            <a:spLocks noGrp="1"/>
-          </p:cNvSpPr>
-          <p:nvPr>
-            <p:ph idx="1"/>
+            <a:pPr lvl="0"/>
+            <a:r>
+              <a:rPr lang="es-ES" smtClean="0"/>
+              <a:t>Haga clic para modificar el estilo de texto del patrón</a:t>
+            </a:r>
+          </a:p>
+          <a:p>
+            <a:pPr lvl="1"/>
+            <a:r>
+              <a:rPr lang="es-ES" smtClean="0"/>
+              <a:t>Segundo nivel</a:t>
+            </a:r>
+          </a:p>
+          <a:p>
+            <a:pPr lvl="2"/>
+            <a:r>
+              <a:rPr lang="es-ES" smtClean="0"/>
+              <a:t>Tercer nivel</a:t>
+            </a:r>
+          </a:p>
+          <a:p>
+            <a:pPr lvl="3"/>
+            <a:r>
+              <a:rPr lang="es-ES" smtClean="0"/>
+              <a:t>Cuarto nivel</a:t>
+            </a:r>
+          </a:p>
+          <a:p>
+            <a:pPr lvl="4"/>
+            <a:r>
+              <a:rPr lang="es-ES" smtClean="0"/>
+              <a:t>Quinto nivel</a:t>
+            </a:r>
+            <a:endParaRPr lang="en-US"/>
+          </a:p>
+        </p:txBody>
+      </p:sp>
+      <p:sp>
+        <p:nvSpPr>
+          <p:cNvPr id="4" name="Date Placeholder 3"/>
+          <p:cNvSpPr>
+            <a:spLocks noGrp="1"/>
+          </p:cNvSpPr>
+          <p:nvPr>
+            <p:ph type="dt" sz="half" idx="10"/>
           </p:nvPr>
         </p:nvSpPr>
         <p:spPr/>
@@ -736,51 +1312,22 @@
           <a:bodyPr/>
           <a:lstStyle/>
           <a:p>
-            <a:pPr lvl="0"/>
-            <a:r>
-              <a:rPr lang="es-ES" smtClean="0"/>
-              <a:t>Haga clic para modificar el estilo de texto del patrón</a:t>
-            </a:r>
-          </a:p>
-          <a:p>
-            <a:pPr lvl="1"/>
-            <a:r>
-              <a:rPr lang="es-ES" smtClean="0"/>
-              <a:t>Segundo nivel</a:t>
-            </a:r>
-          </a:p>
-          <a:p>
-            <a:pPr lvl="2"/>
-            <a:r>
-              <a:rPr lang="es-ES" smtClean="0"/>
-              <a:t>Tercer nivel</a:t>
-            </a:r>
-          </a:p>
-          <a:p>
-            <a:pPr lvl="3"/>
-            <a:r>
-              <a:rPr lang="es-ES" smtClean="0"/>
-              <a:t>Cuarto nivel</a:t>
-            </a:r>
-          </a:p>
-          <a:p>
-            <a:pPr lvl="4"/>
-            <a:r>
-              <a:rPr lang="es-ES" smtClean="0"/>
-              <a:t>Quinto nivel</a:t>
-            </a:r>
+            <a:fld id="{7A847CFC-816F-41D0-AAC0-9BF4FEBC753E}" type="datetimeFigureOut">
+              <a:rPr lang="es-ES" smtClean="0"/>
+              <a:t>26/05/2015</a:t>
+            </a:fld>
             <a:endParaRPr lang="es-ES"/>
           </a:p>
         </p:txBody>
       </p:sp>
       <p:sp>
         <p:nvSpPr>
-          <p:cNvPr id="4" name="3 Marcador de fecha"/>
-          <p:cNvSpPr>
-            <a:spLocks noGrp="1"/>
-          </p:cNvSpPr>
-          <p:nvPr>
-            <p:ph type="dt" sz="half" idx="10"/>
+          <p:cNvPr id="5" name="Footer Placeholder 4"/>
+          <p:cNvSpPr>
+            <a:spLocks noGrp="1"/>
+          </p:cNvSpPr>
+          <p:nvPr>
+            <p:ph type="ftr" sz="quarter" idx="11"/>
           </p:nvPr>
         </p:nvSpPr>
         <p:spPr/>
@@ -788,36 +1335,13 @@
           <a:bodyPr/>
           <a:lstStyle/>
           <a:p>
-            <a:fld id="{7A847CFC-816F-41D0-AAC0-9BF4FEBC753E}" type="datetimeFigureOut">
-              <a:rPr lang="es-ES" smtClean="0"/>
-              <a:t>25/05/2015</a:t>
-            </a:fld>
             <a:endParaRPr lang="es-ES"/>
           </a:p>
         </p:txBody>
       </p:sp>
       <p:sp>
         <p:nvSpPr>
-          <p:cNvPr id="5" name="4 Marcador de pie de página"/>
-          <p:cNvSpPr>
-            <a:spLocks noGrp="1"/>
-          </p:cNvSpPr>
-          <p:nvPr>
-            <p:ph type="ftr" sz="quarter" idx="11"/>
-          </p:nvPr>
-        </p:nvSpPr>
-        <p:spPr/>
-        <p:txBody>
-          <a:bodyPr/>
-          <a:lstStyle/>
-          <a:p>
-            <a:endParaRPr lang="es-ES"/>
-          </a:p>
-        </p:txBody>
-      </p:sp>
-      <p:sp>
-        <p:nvSpPr>
-          <p:cNvPr id="6" name="5 Marcador de número de diapositiva"/>
+          <p:cNvPr id="6" name="Slide Number Placeholder 5"/>
           <p:cNvSpPr>
             <a:spLocks noGrp="1"/>
           </p:cNvSpPr>
@@ -838,10 +1362,172 @@
           </a:p>
         </p:txBody>
       </p:sp>
+      <p:sp>
+        <p:nvSpPr>
+          <p:cNvPr id="11" name="Title 10"/>
+          <p:cNvSpPr>
+            <a:spLocks noGrp="1"/>
+          </p:cNvSpPr>
+          <p:nvPr>
+            <p:ph type="title"/>
+          </p:nvPr>
+        </p:nvSpPr>
+        <p:spPr/>
+        <p:txBody>
+          <a:bodyPr/>
+          <a:lstStyle/>
+          <a:p>
+            <a:r>
+              <a:rPr lang="es-ES" smtClean="0"/>
+              <a:t>Haga clic para modificar el estilo de título del patrón</a:t>
+            </a:r>
+            <a:endParaRPr lang="en-US"/>
+          </a:p>
+        </p:txBody>
+      </p:sp>
+      <p:grpSp>
+        <p:nvGrpSpPr>
+          <p:cNvPr id="12" name="Group 11"/>
+          <p:cNvGrpSpPr/>
+          <p:nvPr/>
+        </p:nvGrpSpPr>
+        <p:grpSpPr>
+          <a:xfrm>
+            <a:off x="1172584" y="1392217"/>
+            <a:ext cx="6779110" cy="923330"/>
+            <a:chOff x="1172584" y="1381459"/>
+            <a:chExt cx="6779110" cy="923330"/>
+          </a:xfrm>
+        </p:grpSpPr>
+        <p:sp>
+          <p:nvSpPr>
+            <p:cNvPr id="13" name="TextBox 12"/>
+            <p:cNvSpPr txBox="1"/>
+            <p:nvPr/>
+          </p:nvSpPr>
+          <p:spPr>
+            <a:xfrm>
+              <a:off x="4147073" y="1381459"/>
+              <a:ext cx="877163" cy="923330"/>
+            </a:xfrm>
+            <a:prstGeom prst="rect">
+              <a:avLst/>
+            </a:prstGeom>
+            <a:noFill/>
+          </p:spPr>
+          <p:txBody>
+            <a:bodyPr wrap="none" rtlCol="0">
+              <a:spAutoFit/>
+            </a:bodyPr>
+            <a:lstStyle/>
+            <a:p>
+              <a:r>
+                <a:rPr lang="en-US" sz="5400" dirty="0" smtClean="0">
+                  <a:solidFill>
+                    <a:schemeClr val="tx2">
+                      <a:lumMod val="60000"/>
+                      <a:lumOff val="40000"/>
+                    </a:schemeClr>
+                  </a:solidFill>
+                  <a:latin typeface="Wingdings" pitchFamily="2" charset="2"/>
+                </a:rPr>
+                <a:t></a:t>
+              </a:r>
+              <a:endParaRPr lang="en-US" sz="5400" dirty="0">
+                <a:solidFill>
+                  <a:schemeClr val="tx2">
+                    <a:lumMod val="60000"/>
+                    <a:lumOff val="40000"/>
+                  </a:schemeClr>
+                </a:solidFill>
+                <a:latin typeface="Wingdings" pitchFamily="2" charset="2"/>
+              </a:endParaRPr>
+            </a:p>
+          </p:txBody>
+        </p:sp>
+        <p:cxnSp>
+          <p:nvCxnSpPr>
+            <p:cNvPr id="14" name="Straight Connector 13"/>
+            <p:cNvCxnSpPr/>
+            <p:nvPr/>
+          </p:nvCxnSpPr>
+          <p:spPr>
+            <a:xfrm rot="10800000">
+              <a:off x="1172584" y="1925620"/>
+              <a:ext cx="3119718" cy="1588"/>
+            </a:xfrm>
+            <a:prstGeom prst="line">
+              <a:avLst/>
+            </a:prstGeom>
+            <a:ln>
+              <a:solidFill>
+                <a:schemeClr val="tx2">
+                  <a:lumMod val="60000"/>
+                  <a:lumOff val="40000"/>
+                </a:schemeClr>
+              </a:solidFill>
+            </a:ln>
+            <a:effectLst/>
+          </p:spPr>
+          <p:style>
+            <a:lnRef idx="1">
+              <a:schemeClr val="accent1"/>
+            </a:lnRef>
+            <a:fillRef idx="0">
+              <a:schemeClr val="accent1"/>
+            </a:fillRef>
+            <a:effectRef idx="0">
+              <a:schemeClr val="accent1"/>
+            </a:effectRef>
+            <a:fontRef idx="minor">
+              <a:schemeClr val="tx1"/>
+            </a:fontRef>
+          </p:style>
+        </p:cxnSp>
+        <p:cxnSp>
+          <p:nvCxnSpPr>
+            <p:cNvPr id="15" name="Straight Connector 14"/>
+            <p:cNvCxnSpPr/>
+            <p:nvPr/>
+          </p:nvCxnSpPr>
+          <p:spPr>
+            <a:xfrm rot="10800000">
+              <a:off x="4831976" y="1922650"/>
+              <a:ext cx="3119718" cy="1588"/>
+            </a:xfrm>
+            <a:prstGeom prst="line">
+              <a:avLst/>
+            </a:prstGeom>
+            <a:ln>
+              <a:solidFill>
+                <a:schemeClr val="tx2">
+                  <a:lumMod val="60000"/>
+                  <a:lumOff val="40000"/>
+                </a:schemeClr>
+              </a:solidFill>
+            </a:ln>
+            <a:effectLst/>
+          </p:spPr>
+          <p:style>
+            <a:lnRef idx="1">
+              <a:schemeClr val="accent1"/>
+            </a:lnRef>
+            <a:fillRef idx="0">
+              <a:schemeClr val="accent1"/>
+            </a:fillRef>
+            <a:effectRef idx="0">
+              <a:schemeClr val="accent1"/>
+            </a:effectRef>
+            <a:fontRef idx="minor">
+              <a:schemeClr val="tx1"/>
+            </a:fontRef>
+          </p:style>
+        </p:cxnSp>
+      </p:grpSp>
     </p:spTree>
   </p:cSld>
   <p:clrMapOvr>
-    <a:masterClrMapping/>
+    <a:overrideClrMapping bg1="lt1" tx1="dk1" bg2="lt2" tx2="dk2" accent1="accent1" accent2="accent2" accent3="accent3" accent4="accent4" accent5="accent5" accent6="accent6" hlink="hlink" folHlink="folHlink"/>
   </p:clrMapOvr>
 </p:sldLayout>
 </file>
@@ -849,6 +1535,11 @@
 <file path=ppt/slideLayouts/slideLayout3.xml><?xml version="1.0" encoding="utf-8"?>
 <p:sldLayout xmlns:a="http://schemas.openxmlformats.org/drawingml/2006/main" xmlns:r="http://schemas.openxmlformats.org/officeDocument/2006/relationships" xmlns:p="http://schemas.openxmlformats.org/presentationml/2006/main" type="secHead" preserve="1">
   <p:cSld name="Encabezado de sección">
+    <p:bg>
+      <p:bgRef idx="1002">
+        <a:schemeClr val="bg2"/>
+      </p:bgRef>
+    </p:bg>
     <p:spTree>
       <p:nvGrpSpPr>
         <p:cNvPr id="1" name=""/>
@@ -863,64 +1554,231 @@
           <a:chExt cx="0" cy="0"/>
         </a:xfrm>
       </p:grpSpPr>
-      <p:sp>
-        <p:nvSpPr>
-          <p:cNvPr id="2" name="1 Título"/>
-          <p:cNvSpPr>
-            <a:spLocks noGrp="1"/>
-          </p:cNvSpPr>
-          <p:nvPr>
-            <p:ph type="title"/>
-          </p:nvPr>
-        </p:nvSpPr>
+      <p:pic>
+        <p:nvPicPr>
+          <p:cNvPr id="12" name="Picture 11" descr="CoverOverlay.png"/>
+          <p:cNvPicPr>
+            <a:picLocks noChangeAspect="1"/>
+          </p:cNvPicPr>
+          <p:nvPr/>
+        </p:nvPicPr>
+        <p:blipFill>
+          <a:blip r:embed="rId2" cstate="print">
+            <a:lum/>
+          </a:blip>
+          <a:stretch>
+            <a:fillRect/>
+          </a:stretch>
+        </p:blipFill>
         <p:spPr>
           <a:xfrm>
-            <a:off x="722313" y="4406900"/>
-            <a:ext cx="7772400" cy="1362075"/>
+            <a:off x="0" y="0"/>
+            <a:ext cx="9144000" cy="6858000"/>
+          </a:xfrm>
+          <a:prstGeom prst="rect">
+            <a:avLst/>
+          </a:prstGeom>
+        </p:spPr>
+      </p:pic>
+      <p:grpSp>
+        <p:nvGrpSpPr>
+          <p:cNvPr id="7" name="Group 7"/>
+          <p:cNvGrpSpPr/>
+          <p:nvPr/>
+        </p:nvGrpSpPr>
+        <p:grpSpPr>
+          <a:xfrm>
+            <a:off x="1172584" y="2887579"/>
+            <a:ext cx="6779110" cy="923330"/>
+            <a:chOff x="1172584" y="1381459"/>
+            <a:chExt cx="6779110" cy="923330"/>
+          </a:xfrm>
+        </p:grpSpPr>
+        <p:sp>
+          <p:nvSpPr>
+            <p:cNvPr id="9" name="TextBox 8"/>
+            <p:cNvSpPr txBox="1"/>
+            <p:nvPr/>
+          </p:nvSpPr>
+          <p:spPr>
+            <a:xfrm>
+              <a:off x="4147073" y="1381459"/>
+              <a:ext cx="877163" cy="923330"/>
+            </a:xfrm>
+            <a:prstGeom prst="rect">
+              <a:avLst/>
+            </a:prstGeom>
+            <a:noFill/>
+          </p:spPr>
+          <p:txBody>
+            <a:bodyPr wrap="none" rtlCol="0">
+              <a:spAutoFit/>
+            </a:bodyPr>
+            <a:lstStyle/>
+            <a:p>
+              <a:r>
+                <a:rPr lang="en-US" sz="5400" dirty="0" smtClean="0">
+                  <a:solidFill>
+                    <a:schemeClr val="tx2">
+                      <a:lumMod val="60000"/>
+                      <a:lumOff val="40000"/>
+                    </a:schemeClr>
+                  </a:solidFill>
+                  <a:latin typeface="Wingdings" pitchFamily="2" charset="2"/>
+                </a:rPr>
+                <a:t></a:t>
+              </a:r>
+              <a:endParaRPr lang="en-US" sz="5400" dirty="0">
+                <a:solidFill>
+                  <a:schemeClr val="tx2">
+                    <a:lumMod val="60000"/>
+                    <a:lumOff val="40000"/>
+                  </a:schemeClr>
+                </a:solidFill>
+                <a:latin typeface="Wingdings" pitchFamily="2" charset="2"/>
+              </a:endParaRPr>
+            </a:p>
+          </p:txBody>
+        </p:sp>
+        <p:cxnSp>
+          <p:nvCxnSpPr>
+            <p:cNvPr id="10" name="Straight Connector 9"/>
+            <p:cNvCxnSpPr/>
+            <p:nvPr/>
+          </p:nvCxnSpPr>
+          <p:spPr>
+            <a:xfrm rot="10800000">
+              <a:off x="1172584" y="1925620"/>
+              <a:ext cx="3119718" cy="1588"/>
+            </a:xfrm>
+            <a:prstGeom prst="line">
+              <a:avLst/>
+            </a:prstGeom>
+            <a:ln>
+              <a:solidFill>
+                <a:schemeClr val="tx2">
+                  <a:lumMod val="60000"/>
+                  <a:lumOff val="40000"/>
+                </a:schemeClr>
+              </a:solidFill>
+            </a:ln>
+            <a:effectLst/>
+          </p:spPr>
+          <p:style>
+            <a:lnRef idx="1">
+              <a:schemeClr val="accent1"/>
+            </a:lnRef>
+            <a:fillRef idx="0">
+              <a:schemeClr val="accent1"/>
+            </a:fillRef>
+            <a:effectRef idx="0">
+              <a:schemeClr val="accent1"/>
+            </a:effectRef>
+            <a:fontRef idx="minor">
+              <a:schemeClr val="tx1"/>
+            </a:fontRef>
+          </p:style>
+        </p:cxnSp>
+        <p:cxnSp>
+          <p:nvCxnSpPr>
+            <p:cNvPr id="11" name="Straight Connector 10"/>
+            <p:cNvCxnSpPr/>
+            <p:nvPr/>
+          </p:nvCxnSpPr>
+          <p:spPr>
+            <a:xfrm rot="10800000">
+              <a:off x="4831976" y="1927412"/>
+              <a:ext cx="3119718" cy="1588"/>
+            </a:xfrm>
+            <a:prstGeom prst="line">
+              <a:avLst/>
+            </a:prstGeom>
+            <a:ln>
+              <a:solidFill>
+                <a:schemeClr val="tx2">
+                  <a:lumMod val="60000"/>
+                  <a:lumOff val="40000"/>
+                </a:schemeClr>
+              </a:solidFill>
+            </a:ln>
+            <a:effectLst/>
+          </p:spPr>
+          <p:style>
+            <a:lnRef idx="1">
+              <a:schemeClr val="accent1"/>
+            </a:lnRef>
+            <a:fillRef idx="0">
+              <a:schemeClr val="accent1"/>
+            </a:fillRef>
+            <a:effectRef idx="0">
+              <a:schemeClr val="accent1"/>
+            </a:effectRef>
+            <a:fontRef idx="minor">
+              <a:schemeClr val="tx1"/>
+            </a:fontRef>
+          </p:style>
+        </p:cxnSp>
+      </p:grpSp>
+      <p:sp>
+        <p:nvSpPr>
+          <p:cNvPr id="2" name="Title 1"/>
+          <p:cNvSpPr>
+            <a:spLocks noGrp="1"/>
+          </p:cNvSpPr>
+          <p:nvPr>
+            <p:ph type="title"/>
+          </p:nvPr>
+        </p:nvSpPr>
+        <p:spPr>
+          <a:xfrm>
+            <a:off x="690040" y="1204857"/>
+            <a:ext cx="7754713" cy="1910716"/>
           </a:xfrm>
         </p:spPr>
         <p:txBody>
+          <a:bodyPr anchor="b"/>
+          <a:lstStyle>
+            <a:lvl1pPr algn="ctr">
+              <a:defRPr sz="5400" b="0" cap="none" baseline="0">
+                <a:solidFill>
+                  <a:schemeClr val="tx2"/>
+                </a:solidFill>
+              </a:defRPr>
+            </a:lvl1pPr>
+          </a:lstStyle>
+          <a:p>
+            <a:r>
+              <a:rPr lang="es-ES" smtClean="0"/>
+              <a:t>Haga clic para modificar el estilo de título del patrón</a:t>
+            </a:r>
+            <a:endParaRPr lang="en-US" dirty="0"/>
+          </a:p>
+        </p:txBody>
+      </p:sp>
+      <p:sp>
+        <p:nvSpPr>
+          <p:cNvPr id="3" name="Text Placeholder 2"/>
+          <p:cNvSpPr>
+            <a:spLocks noGrp="1"/>
+          </p:cNvSpPr>
+          <p:nvPr>
+            <p:ph type="body" idx="1"/>
+          </p:nvPr>
+        </p:nvSpPr>
+        <p:spPr>
+          <a:xfrm>
+            <a:off x="699248" y="3767316"/>
+            <a:ext cx="7734747" cy="1500187"/>
+          </a:xfrm>
+        </p:spPr>
+        <p:txBody>
           <a:bodyPr anchor="t"/>
           <a:lstStyle>
-            <a:lvl1pPr algn="l">
-              <a:defRPr sz="4000" b="1" cap="all"/>
-            </a:lvl1pPr>
-          </a:lstStyle>
-          <a:p>
-            <a:r>
-              <a:rPr lang="es-ES" smtClean="0"/>
-              <a:t>Haga clic para modificar el estilo de título del patrón</a:t>
-            </a:r>
-            <a:endParaRPr lang="es-ES"/>
-          </a:p>
-        </p:txBody>
-      </p:sp>
-      <p:sp>
-        <p:nvSpPr>
-          <p:cNvPr id="3" name="2 Marcador de texto"/>
-          <p:cNvSpPr>
-            <a:spLocks noGrp="1"/>
-          </p:cNvSpPr>
-          <p:nvPr>
-            <p:ph type="body" idx="1"/>
-          </p:nvPr>
-        </p:nvSpPr>
-        <p:spPr>
-          <a:xfrm>
-            <a:off x="722313" y="2906713"/>
-            <a:ext cx="7772400" cy="1500187"/>
-          </a:xfrm>
-        </p:spPr>
-        <p:txBody>
-          <a:bodyPr anchor="b"/>
-          <a:lstStyle>
-            <a:lvl1pPr marL="0" indent="0">
+            <a:lvl1pPr marL="0" indent="0" algn="ctr">
               <a:buNone/>
               <a:defRPr sz="2000">
                 <a:solidFill>
-                  <a:schemeClr val="tx1">
-                    <a:tint val="75000"/>
-                  </a:schemeClr>
+                  <a:schemeClr val="tx2"/>
                 </a:solidFill>
               </a:defRPr>
             </a:lvl1pPr>
@@ -1016,7 +1874,7 @@
       </p:sp>
       <p:sp>
         <p:nvSpPr>
-          <p:cNvPr id="4" name="3 Marcador de fecha"/>
+          <p:cNvPr id="4" name="Date Placeholder 3"/>
           <p:cNvSpPr>
             <a:spLocks noGrp="1"/>
           </p:cNvSpPr>
@@ -1031,7 +1889,7 @@
           <a:p>
             <a:fld id="{7A847CFC-816F-41D0-AAC0-9BF4FEBC753E}" type="datetimeFigureOut">
               <a:rPr lang="es-ES" smtClean="0"/>
-              <a:t>25/05/2015</a:t>
+              <a:t>26/05/2015</a:t>
             </a:fld>
             <a:endParaRPr lang="es-ES"/>
           </a:p>
@@ -1039,7 +1897,7 @@
       </p:sp>
       <p:sp>
         <p:nvSpPr>
-          <p:cNvPr id="5" name="4 Marcador de pie de página"/>
+          <p:cNvPr id="5" name="Footer Placeholder 4"/>
           <p:cNvSpPr>
             <a:spLocks noGrp="1"/>
           </p:cNvSpPr>
@@ -1058,7 +1916,7 @@
       </p:sp>
       <p:sp>
         <p:nvSpPr>
-          <p:cNvPr id="6" name="5 Marcador de número de diapositiva"/>
+          <p:cNvPr id="6" name="Slide Number Placeholder 5"/>
           <p:cNvSpPr>
             <a:spLocks noGrp="1"/>
           </p:cNvSpPr>
@@ -1082,7 +1940,7 @@
     </p:spTree>
   </p:cSld>
   <p:clrMapOvr>
-    <a:masterClrMapping/>
+    <a:overrideClrMapping bg1="lt1" tx1="dk1" bg2="lt2" tx2="dk2" accent1="accent1" accent2="accent2" accent3="accent3" accent4="accent4" accent5="accent5" accent6="accent6" hlink="hlink" folHlink="folHlink"/>
   </p:clrMapOvr>
 </p:sldLayout>
 </file>
@@ -1106,12 +1964,12 @@
       </p:grpSpPr>
       <p:sp>
         <p:nvSpPr>
-          <p:cNvPr id="2" name="1 Título"/>
-          <p:cNvSpPr>
-            <a:spLocks noGrp="1"/>
-          </p:cNvSpPr>
-          <p:nvPr>
-            <p:ph type="title"/>
+          <p:cNvPr id="5" name="Date Placeholder 4"/>
+          <p:cNvSpPr>
+            <a:spLocks noGrp="1"/>
+          </p:cNvSpPr>
+          <p:nvPr>
+            <p:ph type="dt" sz="half" idx="10"/>
           </p:nvPr>
         </p:nvSpPr>
         <p:spPr/>
@@ -1119,146 +1977,245 @@
           <a:bodyPr/>
           <a:lstStyle/>
           <a:p>
-            <a:r>
-              <a:rPr lang="es-ES" smtClean="0"/>
-              <a:t>Haga clic para modificar el estilo de título del patrón</a:t>
-            </a:r>
+            <a:fld id="{7A847CFC-816F-41D0-AAC0-9BF4FEBC753E}" type="datetimeFigureOut">
+              <a:rPr lang="es-ES" smtClean="0"/>
+              <a:t>26/05/2015</a:t>
+            </a:fld>
             <a:endParaRPr lang="es-ES"/>
           </a:p>
         </p:txBody>
       </p:sp>
       <p:sp>
         <p:nvSpPr>
-          <p:cNvPr id="3" name="2 Marcador de contenido"/>
-          <p:cNvSpPr>
-            <a:spLocks noGrp="1"/>
-          </p:cNvSpPr>
-          <p:nvPr>
-            <p:ph sz="half" idx="1"/>
-          </p:nvPr>
-        </p:nvSpPr>
-        <p:spPr>
-          <a:xfrm>
-            <a:off x="457200" y="1600200"/>
-            <a:ext cx="4038600" cy="4525963"/>
-          </a:xfrm>
-        </p:spPr>
+          <p:cNvPr id="6" name="Footer Placeholder 5"/>
+          <p:cNvSpPr>
+            <a:spLocks noGrp="1"/>
+          </p:cNvSpPr>
+          <p:nvPr>
+            <p:ph type="ftr" sz="quarter" idx="11"/>
+          </p:nvPr>
+        </p:nvSpPr>
+        <p:spPr/>
+        <p:txBody>
+          <a:bodyPr/>
+          <a:lstStyle/>
+          <a:p>
+            <a:endParaRPr lang="es-ES"/>
+          </a:p>
+        </p:txBody>
+      </p:sp>
+      <p:sp>
+        <p:nvSpPr>
+          <p:cNvPr id="7" name="Slide Number Placeholder 6"/>
+          <p:cNvSpPr>
+            <a:spLocks noGrp="1"/>
+          </p:cNvSpPr>
+          <p:nvPr>
+            <p:ph type="sldNum" sz="quarter" idx="12"/>
+          </p:nvPr>
+        </p:nvSpPr>
+        <p:spPr/>
+        <p:txBody>
+          <a:bodyPr/>
+          <a:lstStyle/>
+          <a:p>
+            <a:fld id="{132FADFE-3B8F-471C-ABF0-DBC7717ECBBC}" type="slidenum">
+              <a:rPr lang="es-ES" smtClean="0"/>
+              <a:t>‹Nº›</a:t>
+            </a:fld>
+            <a:endParaRPr lang="es-ES"/>
+          </a:p>
+        </p:txBody>
+      </p:sp>
+      <p:sp>
+        <p:nvSpPr>
+          <p:cNvPr id="12" name="Title 11"/>
+          <p:cNvSpPr>
+            <a:spLocks noGrp="1"/>
+          </p:cNvSpPr>
+          <p:nvPr>
+            <p:ph type="title"/>
+          </p:nvPr>
+        </p:nvSpPr>
+        <p:spPr/>
         <p:txBody>
           <a:bodyPr/>
           <a:lstStyle>
             <a:lvl1pPr>
-              <a:defRPr sz="2800"/>
+              <a:defRPr>
+                <a:solidFill>
+                  <a:schemeClr val="tx2"/>
+                </a:solidFill>
+              </a:defRPr>
             </a:lvl1pPr>
-            <a:lvl2pPr>
-              <a:defRPr sz="2400"/>
-            </a:lvl2pPr>
-            <a:lvl3pPr>
-              <a:defRPr sz="2000"/>
-            </a:lvl3pPr>
-            <a:lvl4pPr>
-              <a:defRPr sz="1800"/>
-            </a:lvl4pPr>
-            <a:lvl5pPr>
-              <a:defRPr sz="1800"/>
-            </a:lvl5pPr>
-            <a:lvl6pPr>
-              <a:defRPr sz="1800"/>
-            </a:lvl6pPr>
-            <a:lvl7pPr>
-              <a:defRPr sz="1800"/>
-            </a:lvl7pPr>
-            <a:lvl8pPr>
-              <a:defRPr sz="1800"/>
-            </a:lvl8pPr>
-            <a:lvl9pPr>
-              <a:defRPr sz="1800"/>
-            </a:lvl9pPr>
           </a:lstStyle>
           <a:p>
-            <a:pPr lvl="0"/>
-            <a:r>
-              <a:rPr lang="es-ES" smtClean="0"/>
-              <a:t>Haga clic para modificar el estilo de texto del patrón</a:t>
-            </a:r>
-          </a:p>
-          <a:p>
-            <a:pPr lvl="1"/>
-            <a:r>
-              <a:rPr lang="es-ES" smtClean="0"/>
-              <a:t>Segundo nivel</a:t>
-            </a:r>
-          </a:p>
-          <a:p>
-            <a:pPr lvl="2"/>
-            <a:r>
-              <a:rPr lang="es-ES" smtClean="0"/>
-              <a:t>Tercer nivel</a:t>
-            </a:r>
-          </a:p>
-          <a:p>
-            <a:pPr lvl="3"/>
-            <a:r>
-              <a:rPr lang="es-ES" smtClean="0"/>
-              <a:t>Cuarto nivel</a:t>
-            </a:r>
-          </a:p>
-          <a:p>
-            <a:pPr lvl="4"/>
-            <a:r>
-              <a:rPr lang="es-ES" smtClean="0"/>
-              <a:t>Quinto nivel</a:t>
-            </a:r>
-            <a:endParaRPr lang="es-ES"/>
-          </a:p>
-        </p:txBody>
-      </p:sp>
-      <p:sp>
-        <p:nvSpPr>
-          <p:cNvPr id="4" name="3 Marcador de contenido"/>
-          <p:cNvSpPr>
-            <a:spLocks noGrp="1"/>
-          </p:cNvSpPr>
-          <p:nvPr>
-            <p:ph sz="half" idx="2"/>
+            <a:r>
+              <a:rPr lang="es-ES" smtClean="0"/>
+              <a:t>Haga clic para modificar el estilo de título del patrón</a:t>
+            </a:r>
+            <a:endParaRPr lang="en-US" dirty="0"/>
+          </a:p>
+        </p:txBody>
+      </p:sp>
+      <p:grpSp>
+        <p:nvGrpSpPr>
+          <p:cNvPr id="13" name="Group 12"/>
+          <p:cNvGrpSpPr/>
+          <p:nvPr/>
+        </p:nvGrpSpPr>
+        <p:grpSpPr>
+          <a:xfrm>
+            <a:off x="1172584" y="1392217"/>
+            <a:ext cx="6779110" cy="923330"/>
+            <a:chOff x="1172584" y="1381459"/>
+            <a:chExt cx="6779110" cy="923330"/>
+          </a:xfrm>
+        </p:grpSpPr>
+        <p:sp>
+          <p:nvSpPr>
+            <p:cNvPr id="14" name="TextBox 13"/>
+            <p:cNvSpPr txBox="1"/>
+            <p:nvPr/>
+          </p:nvSpPr>
+          <p:spPr>
+            <a:xfrm>
+              <a:off x="4147073" y="1381459"/>
+              <a:ext cx="877163" cy="923330"/>
+            </a:xfrm>
+            <a:prstGeom prst="rect">
+              <a:avLst/>
+            </a:prstGeom>
+            <a:noFill/>
+          </p:spPr>
+          <p:txBody>
+            <a:bodyPr wrap="none" rtlCol="0">
+              <a:spAutoFit/>
+            </a:bodyPr>
+            <a:lstStyle/>
+            <a:p>
+              <a:r>
+                <a:rPr lang="en-US" sz="5400" dirty="0" smtClean="0">
+                  <a:solidFill>
+                    <a:schemeClr val="tx2">
+                      <a:lumMod val="60000"/>
+                      <a:lumOff val="40000"/>
+                    </a:schemeClr>
+                  </a:solidFill>
+                  <a:latin typeface="Wingdings" pitchFamily="2" charset="2"/>
+                </a:rPr>
+                <a:t></a:t>
+              </a:r>
+              <a:endParaRPr lang="en-US" sz="5400" dirty="0">
+                <a:solidFill>
+                  <a:schemeClr val="tx2">
+                    <a:lumMod val="60000"/>
+                    <a:lumOff val="40000"/>
+                  </a:schemeClr>
+                </a:solidFill>
+                <a:latin typeface="Wingdings" pitchFamily="2" charset="2"/>
+              </a:endParaRPr>
+            </a:p>
+          </p:txBody>
+        </p:sp>
+        <p:cxnSp>
+          <p:nvCxnSpPr>
+            <p:cNvPr id="15" name="Straight Connector 14"/>
+            <p:cNvCxnSpPr/>
+            <p:nvPr/>
+          </p:nvCxnSpPr>
+          <p:spPr>
+            <a:xfrm rot="10800000">
+              <a:off x="1172584" y="1925620"/>
+              <a:ext cx="3119718" cy="1588"/>
+            </a:xfrm>
+            <a:prstGeom prst="line">
+              <a:avLst/>
+            </a:prstGeom>
+            <a:ln>
+              <a:solidFill>
+                <a:schemeClr val="tx2">
+                  <a:lumMod val="60000"/>
+                  <a:lumOff val="40000"/>
+                </a:schemeClr>
+              </a:solidFill>
+            </a:ln>
+            <a:effectLst/>
+          </p:spPr>
+          <p:style>
+            <a:lnRef idx="1">
+              <a:schemeClr val="accent1"/>
+            </a:lnRef>
+            <a:fillRef idx="0">
+              <a:schemeClr val="accent1"/>
+            </a:fillRef>
+            <a:effectRef idx="0">
+              <a:schemeClr val="accent1"/>
+            </a:effectRef>
+            <a:fontRef idx="minor">
+              <a:schemeClr val="tx1"/>
+            </a:fontRef>
+          </p:style>
+        </p:cxnSp>
+        <p:cxnSp>
+          <p:nvCxnSpPr>
+            <p:cNvPr id="16" name="Straight Connector 15"/>
+            <p:cNvCxnSpPr/>
+            <p:nvPr/>
+          </p:nvCxnSpPr>
+          <p:spPr>
+            <a:xfrm rot="10800000">
+              <a:off x="4831976" y="1922650"/>
+              <a:ext cx="3119718" cy="1588"/>
+            </a:xfrm>
+            <a:prstGeom prst="line">
+              <a:avLst/>
+            </a:prstGeom>
+            <a:ln>
+              <a:solidFill>
+                <a:schemeClr val="tx2">
+                  <a:lumMod val="60000"/>
+                  <a:lumOff val="40000"/>
+                </a:schemeClr>
+              </a:solidFill>
+            </a:ln>
+            <a:effectLst/>
+          </p:spPr>
+          <p:style>
+            <a:lnRef idx="1">
+              <a:schemeClr val="accent1"/>
+            </a:lnRef>
+            <a:fillRef idx="0">
+              <a:schemeClr val="accent1"/>
+            </a:fillRef>
+            <a:effectRef idx="0">
+              <a:schemeClr val="accent1"/>
+            </a:effectRef>
+            <a:fontRef idx="minor">
+              <a:schemeClr val="tx1"/>
+            </a:fontRef>
+          </p:style>
+        </p:cxnSp>
+      </p:grpSp>
+      <p:sp>
+        <p:nvSpPr>
+          <p:cNvPr id="8" name="Content Placeholder 7"/>
+          <p:cNvSpPr>
+            <a:spLocks noGrp="1"/>
+          </p:cNvSpPr>
+          <p:nvPr>
+            <p:ph sz="quarter" idx="13"/>
           </p:nvPr>
         </p:nvSpPr>
         <p:spPr>
           <a:xfrm>
-            <a:off x="4648200" y="1600200"/>
-            <a:ext cx="4038600" cy="4525963"/>
+            <a:off x="685800" y="2240280"/>
+            <a:ext cx="3803904" cy="3877056"/>
           </a:xfrm>
         </p:spPr>
         <p:txBody>
           <a:bodyPr/>
-          <a:lstStyle>
-            <a:lvl1pPr>
-              <a:defRPr sz="2800"/>
-            </a:lvl1pPr>
-            <a:lvl2pPr>
-              <a:defRPr sz="2400"/>
-            </a:lvl2pPr>
-            <a:lvl3pPr>
-              <a:defRPr sz="2000"/>
-            </a:lvl3pPr>
-            <a:lvl4pPr>
-              <a:defRPr sz="1800"/>
-            </a:lvl4pPr>
-            <a:lvl5pPr>
-              <a:defRPr sz="1800"/>
-            </a:lvl5pPr>
-            <a:lvl6pPr>
-              <a:defRPr sz="1800"/>
-            </a:lvl6pPr>
-            <a:lvl7pPr>
-              <a:defRPr sz="1800"/>
-            </a:lvl7pPr>
-            <a:lvl8pPr>
-              <a:defRPr sz="1800"/>
-            </a:lvl8pPr>
-            <a:lvl9pPr>
-              <a:defRPr sz="1800"/>
-            </a:lvl9pPr>
-          </a:lstStyle>
+          <a:lstStyle/>
           <a:p>
             <a:pPr lvl="0"/>
             <a:r>
@@ -1293,72 +2250,64 @@
               <a:rPr lang="es-ES" smtClean="0"/>
               <a:t>Quinto nivel</a:t>
             </a:r>
-            <a:endParaRPr lang="es-ES"/>
-          </a:p>
-        </p:txBody>
-      </p:sp>
-      <p:sp>
-        <p:nvSpPr>
-          <p:cNvPr id="5" name="4 Marcador de fecha"/>
-          <p:cNvSpPr>
-            <a:spLocks noGrp="1"/>
-          </p:cNvSpPr>
-          <p:nvPr>
-            <p:ph type="dt" sz="half" idx="10"/>
-          </p:nvPr>
-        </p:nvSpPr>
-        <p:spPr/>
+            <a:endParaRPr lang="en-US"/>
+          </a:p>
+        </p:txBody>
+      </p:sp>
+      <p:sp>
+        <p:nvSpPr>
+          <p:cNvPr id="10" name="Content Placeholder 9"/>
+          <p:cNvSpPr>
+            <a:spLocks noGrp="1"/>
+          </p:cNvSpPr>
+          <p:nvPr>
+            <p:ph sz="quarter" idx="14"/>
+          </p:nvPr>
+        </p:nvSpPr>
+        <p:spPr>
+          <a:xfrm>
+            <a:off x="4645151" y="2240280"/>
+            <a:ext cx="3803904" cy="3877056"/>
+          </a:xfrm>
+        </p:spPr>
         <p:txBody>
           <a:bodyPr/>
           <a:lstStyle/>
           <a:p>
-            <a:fld id="{7A847CFC-816F-41D0-AAC0-9BF4FEBC753E}" type="datetimeFigureOut">
-              <a:rPr lang="es-ES" smtClean="0"/>
-              <a:t>25/05/2015</a:t>
-            </a:fld>
-            <a:endParaRPr lang="es-ES"/>
-          </a:p>
-        </p:txBody>
-      </p:sp>
-      <p:sp>
-        <p:nvSpPr>
-          <p:cNvPr id="6" name="5 Marcador de pie de página"/>
-          <p:cNvSpPr>
-            <a:spLocks noGrp="1"/>
-          </p:cNvSpPr>
-          <p:nvPr>
-            <p:ph type="ftr" sz="quarter" idx="11"/>
-          </p:nvPr>
-        </p:nvSpPr>
-        <p:spPr/>
-        <p:txBody>
-          <a:bodyPr/>
-          <a:lstStyle/>
-          <a:p>
-            <a:endParaRPr lang="es-ES"/>
-          </a:p>
-        </p:txBody>
-      </p:sp>
-      <p:sp>
-        <p:nvSpPr>
-          <p:cNvPr id="7" name="6 Marcador de número de diapositiva"/>
-          <p:cNvSpPr>
-            <a:spLocks noGrp="1"/>
-          </p:cNvSpPr>
-          <p:nvPr>
-            <p:ph type="sldNum" sz="quarter" idx="12"/>
-          </p:nvPr>
-        </p:nvSpPr>
-        <p:spPr/>
-        <p:txBody>
-          <a:bodyPr/>
-          <a:lstStyle/>
-          <a:p>
-            <a:fld id="{132FADFE-3B8F-471C-ABF0-DBC7717ECBBC}" type="slidenum">
-              <a:rPr lang="es-ES" smtClean="0"/>
-              <a:t>‹Nº›</a:t>
-            </a:fld>
-            <a:endParaRPr lang="es-ES"/>
+            <a:pPr lvl="0"/>
+            <a:r>
+              <a:rPr lang="es-ES" smtClean="0"/>
+              <a:t>Haga clic para modificar el estilo de texto del patrón</a:t>
+            </a:r>
+          </a:p>
+          <a:p>
+            <a:pPr lvl="1"/>
+            <a:r>
+              <a:rPr lang="es-ES" smtClean="0"/>
+              <a:t>Segundo nivel</a:t>
+            </a:r>
+          </a:p>
+          <a:p>
+            <a:pPr lvl="2"/>
+            <a:r>
+              <a:rPr lang="es-ES" smtClean="0"/>
+              <a:t>Tercer nivel</a:t>
+            </a:r>
+          </a:p>
+          <a:p>
+            <a:pPr lvl="3"/>
+            <a:r>
+              <a:rPr lang="es-ES" smtClean="0"/>
+              <a:t>Cuarto nivel</a:t>
+            </a:r>
+          </a:p>
+          <a:p>
+            <a:pPr lvl="4"/>
+            <a:r>
+              <a:rPr lang="es-ES" smtClean="0"/>
+              <a:t>Quinto nivel</a:t>
+            </a:r>
+            <a:endParaRPr lang="en-US"/>
           </a:p>
         </p:txBody>
       </p:sp>
@@ -1389,7 +2338,7 @@
       </p:grpSpPr>
       <p:sp>
         <p:nvSpPr>
-          <p:cNvPr id="2" name="1 Título"/>
+          <p:cNvPr id="2" name="Title 1"/>
           <p:cNvSpPr>
             <a:spLocks noGrp="1"/>
           </p:cNvSpPr>
@@ -1410,13 +2359,13 @@
               <a:rPr lang="es-ES" smtClean="0"/>
               <a:t>Haga clic para modificar el estilo de título del patrón</a:t>
             </a:r>
-            <a:endParaRPr lang="es-ES"/>
-          </a:p>
-        </p:txBody>
-      </p:sp>
-      <p:sp>
-        <p:nvSpPr>
-          <p:cNvPr id="3" name="2 Marcador de texto"/>
+            <a:endParaRPr lang="en-US"/>
+          </a:p>
+        </p:txBody>
+      </p:sp>
+      <p:sp>
+        <p:nvSpPr>
+          <p:cNvPr id="3" name="Text Placeholder 2"/>
           <p:cNvSpPr>
             <a:spLocks noGrp="1"/>
           </p:cNvSpPr>
@@ -1426,16 +2375,20 @@
         </p:nvSpPr>
         <p:spPr>
           <a:xfrm>
-            <a:off x="457200" y="1535113"/>
-            <a:ext cx="4040188" cy="639762"/>
+            <a:off x="1051560" y="2240280"/>
+            <a:ext cx="3442446" cy="658368"/>
           </a:xfrm>
         </p:spPr>
         <p:txBody>
           <a:bodyPr anchor="b"/>
           <a:lstStyle>
-            <a:lvl1pPr marL="0" indent="0">
-              <a:buNone/>
-              <a:defRPr sz="2400" b="1"/>
+            <a:lvl1pPr marL="0" indent="0" algn="ctr">
+              <a:buNone/>
+              <a:defRPr sz="2400" b="0">
+                <a:solidFill>
+                  <a:schemeClr val="tx2"/>
+                </a:solidFill>
+              </a:defRPr>
             </a:lvl1pPr>
             <a:lvl2pPr marL="457200" indent="0">
               <a:buNone/>
@@ -1481,7 +2434,7 @@
       </p:sp>
       <p:sp>
         <p:nvSpPr>
-          <p:cNvPr id="4" name="3 Marcador de contenido"/>
+          <p:cNvPr id="4" name="Content Placeholder 3"/>
           <p:cNvSpPr>
             <a:spLocks noGrp="1"/>
           </p:cNvSpPr>
@@ -1491,8 +2444,8 @@
         </p:nvSpPr>
         <p:spPr>
           <a:xfrm>
-            <a:off x="457200" y="2174875"/>
-            <a:ext cx="4040188" cy="3951288"/>
+            <a:off x="688488" y="2947595"/>
+            <a:ext cx="3803904" cy="3172968"/>
           </a:xfrm>
         </p:spPr>
         <p:txBody>
@@ -1560,13 +2513,13 @@
               <a:rPr lang="es-ES" smtClean="0"/>
               <a:t>Quinto nivel</a:t>
             </a:r>
-            <a:endParaRPr lang="es-ES"/>
-          </a:p>
-        </p:txBody>
-      </p:sp>
-      <p:sp>
-        <p:nvSpPr>
-          <p:cNvPr id="5" name="4 Marcador de texto"/>
+            <a:endParaRPr lang="en-US" dirty="0"/>
+          </a:p>
+        </p:txBody>
+      </p:sp>
+      <p:sp>
+        <p:nvSpPr>
+          <p:cNvPr id="5" name="Text Placeholder 4"/>
           <p:cNvSpPr>
             <a:spLocks noGrp="1"/>
           </p:cNvSpPr>
@@ -1576,16 +2529,20 @@
         </p:nvSpPr>
         <p:spPr>
           <a:xfrm>
-            <a:off x="4645025" y="1535113"/>
-            <a:ext cx="4041775" cy="639762"/>
+            <a:off x="5002306" y="2240280"/>
+            <a:ext cx="3447288" cy="658368"/>
           </a:xfrm>
         </p:spPr>
         <p:txBody>
           <a:bodyPr anchor="b"/>
           <a:lstStyle>
-            <a:lvl1pPr marL="0" indent="0">
-              <a:buNone/>
-              <a:defRPr sz="2400" b="1"/>
+            <a:lvl1pPr marL="0" indent="0" algn="ctr">
+              <a:buNone/>
+              <a:defRPr sz="2400" b="0">
+                <a:solidFill>
+                  <a:schemeClr val="tx2"/>
+                </a:solidFill>
+              </a:defRPr>
             </a:lvl1pPr>
             <a:lvl2pPr marL="457200" indent="0">
               <a:buNone/>
@@ -1631,7 +2588,7 @@
       </p:sp>
       <p:sp>
         <p:nvSpPr>
-          <p:cNvPr id="6" name="5 Marcador de contenido"/>
+          <p:cNvPr id="6" name="Content Placeholder 5"/>
           <p:cNvSpPr>
             <a:spLocks noGrp="1"/>
           </p:cNvSpPr>
@@ -1641,8 +2598,8 @@
         </p:nvSpPr>
         <p:spPr>
           <a:xfrm>
-            <a:off x="4645025" y="2174875"/>
-            <a:ext cx="4041775" cy="3951288"/>
+            <a:off x="4645026" y="2944368"/>
+            <a:ext cx="3799728" cy="3172968"/>
           </a:xfrm>
         </p:spPr>
         <p:txBody>
@@ -1710,13 +2667,13 @@
               <a:rPr lang="es-ES" smtClean="0"/>
               <a:t>Quinto nivel</a:t>
             </a:r>
-            <a:endParaRPr lang="es-ES"/>
-          </a:p>
-        </p:txBody>
-      </p:sp>
-      <p:sp>
-        <p:nvSpPr>
-          <p:cNvPr id="7" name="6 Marcador de fecha"/>
+            <a:endParaRPr lang="en-US" dirty="0"/>
+          </a:p>
+        </p:txBody>
+      </p:sp>
+      <p:sp>
+        <p:nvSpPr>
+          <p:cNvPr id="7" name="Date Placeholder 6"/>
           <p:cNvSpPr>
             <a:spLocks noGrp="1"/>
           </p:cNvSpPr>
@@ -1731,7 +2688,7 @@
           <a:p>
             <a:fld id="{7A847CFC-816F-41D0-AAC0-9BF4FEBC753E}" type="datetimeFigureOut">
               <a:rPr lang="es-ES" smtClean="0"/>
-              <a:t>25/05/2015</a:t>
+              <a:t>26/05/2015</a:t>
             </a:fld>
             <a:endParaRPr lang="es-ES"/>
           </a:p>
@@ -1739,7 +2696,7 @@
       </p:sp>
       <p:sp>
         <p:nvSpPr>
-          <p:cNvPr id="8" name="7 Marcador de pie de página"/>
+          <p:cNvPr id="8" name="Footer Placeholder 7"/>
           <p:cNvSpPr>
             <a:spLocks noGrp="1"/>
           </p:cNvSpPr>
@@ -1758,7 +2715,7 @@
       </p:sp>
       <p:sp>
         <p:nvSpPr>
-          <p:cNvPr id="9" name="8 Marcador de número de diapositiva"/>
+          <p:cNvPr id="9" name="Slide Number Placeholder 8"/>
           <p:cNvSpPr>
             <a:spLocks noGrp="1"/>
           </p:cNvSpPr>
@@ -1779,6 +2736,145 @@
           </a:p>
         </p:txBody>
       </p:sp>
+      <p:grpSp>
+        <p:nvGrpSpPr>
+          <p:cNvPr id="14" name="Group 13"/>
+          <p:cNvGrpSpPr/>
+          <p:nvPr/>
+        </p:nvGrpSpPr>
+        <p:grpSpPr>
+          <a:xfrm>
+            <a:off x="1172584" y="1392217"/>
+            <a:ext cx="6779110" cy="923330"/>
+            <a:chOff x="1172584" y="1381459"/>
+            <a:chExt cx="6779110" cy="923330"/>
+          </a:xfrm>
+        </p:grpSpPr>
+        <p:sp>
+          <p:nvSpPr>
+            <p:cNvPr id="16" name="TextBox 15"/>
+            <p:cNvSpPr txBox="1"/>
+            <p:nvPr/>
+          </p:nvSpPr>
+          <p:spPr>
+            <a:xfrm>
+              <a:off x="4147073" y="1381459"/>
+              <a:ext cx="877163" cy="923330"/>
+            </a:xfrm>
+            <a:prstGeom prst="rect">
+              <a:avLst/>
+            </a:prstGeom>
+            <a:noFill/>
+          </p:spPr>
+          <p:txBody>
+            <a:bodyPr wrap="none" rtlCol="0">
+              <a:spAutoFit/>
+            </a:bodyPr>
+            <a:lstStyle/>
+            <a:p>
+              <a:r>
+                <a:rPr lang="en-US" sz="5400" dirty="0" smtClean="0">
+                  <a:solidFill>
+                    <a:schemeClr val="tx2">
+                      <a:lumMod val="60000"/>
+                      <a:lumOff val="40000"/>
+                    </a:schemeClr>
+                  </a:solidFill>
+                  <a:latin typeface="Wingdings" pitchFamily="2" charset="2"/>
+                </a:rPr>
+                <a:t></a:t>
+              </a:r>
+              <a:endParaRPr lang="en-US" sz="5400" dirty="0">
+                <a:solidFill>
+                  <a:schemeClr val="tx2">
+                    <a:lumMod val="60000"/>
+                    <a:lumOff val="40000"/>
+                  </a:schemeClr>
+                </a:solidFill>
+                <a:latin typeface="Wingdings" pitchFamily="2" charset="2"/>
+              </a:endParaRPr>
+            </a:p>
+          </p:txBody>
+        </p:sp>
+        <p:cxnSp>
+          <p:nvCxnSpPr>
+            <p:cNvPr id="17" name="Straight Connector 16"/>
+            <p:cNvCxnSpPr/>
+            <p:nvPr/>
+          </p:nvCxnSpPr>
+          <p:spPr>
+            <a:xfrm rot="10800000">
+              <a:off x="1172584" y="1925620"/>
+              <a:ext cx="3119718" cy="1588"/>
+            </a:xfrm>
+            <a:prstGeom prst="line">
+              <a:avLst/>
+            </a:prstGeom>
+            <a:ln>
+              <a:solidFill>
+                <a:schemeClr val="tx2">
+                  <a:lumMod val="60000"/>
+                  <a:lumOff val="40000"/>
+                </a:schemeClr>
+              </a:solidFill>
+            </a:ln>
+            <a:effectLst/>
+          </p:spPr>
+          <p:style>
+            <a:lnRef idx="1">
+              <a:schemeClr val="accent1"/>
+            </a:lnRef>
+            <a:fillRef idx="0">
+              <a:schemeClr val="accent1"/>
+            </a:fillRef>
+            <a:effectRef idx="0">
+              <a:schemeClr val="accent1"/>
+            </a:effectRef>
+            <a:fontRef idx="minor">
+              <a:schemeClr val="tx1"/>
+            </a:fontRef>
+          </p:style>
+        </p:cxnSp>
+        <p:cxnSp>
+          <p:nvCxnSpPr>
+            <p:cNvPr id="18" name="Straight Connector 17"/>
+            <p:cNvCxnSpPr/>
+            <p:nvPr/>
+          </p:nvCxnSpPr>
+          <p:spPr>
+            <a:xfrm rot="10800000">
+              <a:off x="4831976" y="1922650"/>
+              <a:ext cx="3119718" cy="1588"/>
+            </a:xfrm>
+            <a:prstGeom prst="line">
+              <a:avLst/>
+            </a:prstGeom>
+            <a:ln>
+              <a:solidFill>
+                <a:schemeClr val="tx2">
+                  <a:lumMod val="60000"/>
+                  <a:lumOff val="40000"/>
+                </a:schemeClr>
+              </a:solidFill>
+            </a:ln>
+            <a:effectLst/>
+          </p:spPr>
+          <p:style>
+            <a:lnRef idx="1">
+              <a:schemeClr val="accent1"/>
+            </a:lnRef>
+            <a:fillRef idx="0">
+              <a:schemeClr val="accent1"/>
+            </a:fillRef>
+            <a:effectRef idx="0">
+              <a:schemeClr val="accent1"/>
+            </a:effectRef>
+            <a:fontRef idx="minor">
+              <a:schemeClr val="tx1"/>
+            </a:fontRef>
+          </p:style>
+        </p:cxnSp>
+      </p:grpSp>
     </p:spTree>
   </p:cSld>
   <p:clrMapOvr>
@@ -1806,7 +2902,7 @@
       </p:grpSpPr>
       <p:sp>
         <p:nvSpPr>
-          <p:cNvPr id="2" name="1 Título"/>
+          <p:cNvPr id="2" name="Title 1"/>
           <p:cNvSpPr>
             <a:spLocks noGrp="1"/>
           </p:cNvSpPr>
@@ -1823,13 +2919,13 @@
               <a:rPr lang="es-ES" smtClean="0"/>
               <a:t>Haga clic para modificar el estilo de título del patrón</a:t>
             </a:r>
-            <a:endParaRPr lang="es-ES"/>
-          </a:p>
-        </p:txBody>
-      </p:sp>
-      <p:sp>
-        <p:nvSpPr>
-          <p:cNvPr id="3" name="2 Marcador de fecha"/>
+            <a:endParaRPr lang="en-US" dirty="0"/>
+          </a:p>
+        </p:txBody>
+      </p:sp>
+      <p:sp>
+        <p:nvSpPr>
+          <p:cNvPr id="3" name="Date Placeholder 2"/>
           <p:cNvSpPr>
             <a:spLocks noGrp="1"/>
           </p:cNvSpPr>
@@ -1844,7 +2940,7 @@
           <a:p>
             <a:fld id="{7A847CFC-816F-41D0-AAC0-9BF4FEBC753E}" type="datetimeFigureOut">
               <a:rPr lang="es-ES" smtClean="0"/>
-              <a:t>25/05/2015</a:t>
+              <a:t>26/05/2015</a:t>
             </a:fld>
             <a:endParaRPr lang="es-ES"/>
           </a:p>
@@ -1852,7 +2948,7 @@
       </p:sp>
       <p:sp>
         <p:nvSpPr>
-          <p:cNvPr id="4" name="3 Marcador de pie de página"/>
+          <p:cNvPr id="4" name="Footer Placeholder 3"/>
           <p:cNvSpPr>
             <a:spLocks noGrp="1"/>
           </p:cNvSpPr>
@@ -1871,7 +2967,7 @@
       </p:sp>
       <p:sp>
         <p:nvSpPr>
-          <p:cNvPr id="5" name="4 Marcador de número de diapositiva"/>
+          <p:cNvPr id="5" name="Slide Number Placeholder 4"/>
           <p:cNvSpPr>
             <a:spLocks noGrp="1"/>
           </p:cNvSpPr>
@@ -1892,6 +2988,145 @@
           </a:p>
         </p:txBody>
       </p:sp>
+      <p:grpSp>
+        <p:nvGrpSpPr>
+          <p:cNvPr id="10" name="Group 9"/>
+          <p:cNvGrpSpPr/>
+          <p:nvPr/>
+        </p:nvGrpSpPr>
+        <p:grpSpPr>
+          <a:xfrm>
+            <a:off x="1172584" y="1392217"/>
+            <a:ext cx="6779110" cy="923330"/>
+            <a:chOff x="1172584" y="1381459"/>
+            <a:chExt cx="6779110" cy="923330"/>
+          </a:xfrm>
+        </p:grpSpPr>
+        <p:sp>
+          <p:nvSpPr>
+            <p:cNvPr id="14" name="TextBox 13"/>
+            <p:cNvSpPr txBox="1"/>
+            <p:nvPr/>
+          </p:nvSpPr>
+          <p:spPr>
+            <a:xfrm>
+              <a:off x="4147073" y="1381459"/>
+              <a:ext cx="877163" cy="923330"/>
+            </a:xfrm>
+            <a:prstGeom prst="rect">
+              <a:avLst/>
+            </a:prstGeom>
+            <a:noFill/>
+          </p:spPr>
+          <p:txBody>
+            <a:bodyPr wrap="none" rtlCol="0">
+              <a:spAutoFit/>
+            </a:bodyPr>
+            <a:lstStyle/>
+            <a:p>
+              <a:r>
+                <a:rPr lang="en-US" sz="5400" dirty="0" smtClean="0">
+                  <a:solidFill>
+                    <a:schemeClr val="tx2">
+                      <a:lumMod val="60000"/>
+                      <a:lumOff val="40000"/>
+                    </a:schemeClr>
+                  </a:solidFill>
+                  <a:latin typeface="Wingdings" pitchFamily="2" charset="2"/>
+                </a:rPr>
+                <a:t></a:t>
+              </a:r>
+              <a:endParaRPr lang="en-US" sz="5400" dirty="0">
+                <a:solidFill>
+                  <a:schemeClr val="tx2">
+                    <a:lumMod val="60000"/>
+                    <a:lumOff val="40000"/>
+                  </a:schemeClr>
+                </a:solidFill>
+                <a:latin typeface="Wingdings" pitchFamily="2" charset="2"/>
+              </a:endParaRPr>
+            </a:p>
+          </p:txBody>
+        </p:sp>
+        <p:cxnSp>
+          <p:nvCxnSpPr>
+            <p:cNvPr id="15" name="Straight Connector 14"/>
+            <p:cNvCxnSpPr/>
+            <p:nvPr/>
+          </p:nvCxnSpPr>
+          <p:spPr>
+            <a:xfrm rot="10800000">
+              <a:off x="1172584" y="1925620"/>
+              <a:ext cx="3119718" cy="1588"/>
+            </a:xfrm>
+            <a:prstGeom prst="line">
+              <a:avLst/>
+            </a:prstGeom>
+            <a:ln>
+              <a:solidFill>
+                <a:schemeClr val="tx2">
+                  <a:lumMod val="60000"/>
+                  <a:lumOff val="40000"/>
+                </a:schemeClr>
+              </a:solidFill>
+            </a:ln>
+            <a:effectLst/>
+          </p:spPr>
+          <p:style>
+            <a:lnRef idx="1">
+              <a:schemeClr val="accent1"/>
+            </a:lnRef>
+            <a:fillRef idx="0">
+              <a:schemeClr val="accent1"/>
+            </a:fillRef>
+            <a:effectRef idx="0">
+              <a:schemeClr val="accent1"/>
+            </a:effectRef>
+            <a:fontRef idx="minor">
+              <a:schemeClr val="tx1"/>
+            </a:fontRef>
+          </p:style>
+        </p:cxnSp>
+        <p:cxnSp>
+          <p:nvCxnSpPr>
+            <p:cNvPr id="16" name="Straight Connector 15"/>
+            <p:cNvCxnSpPr/>
+            <p:nvPr/>
+          </p:nvCxnSpPr>
+          <p:spPr>
+            <a:xfrm rot="10800000">
+              <a:off x="4831976" y="1922650"/>
+              <a:ext cx="3119718" cy="1588"/>
+            </a:xfrm>
+            <a:prstGeom prst="line">
+              <a:avLst/>
+            </a:prstGeom>
+            <a:ln>
+              <a:solidFill>
+                <a:schemeClr val="tx2">
+                  <a:lumMod val="60000"/>
+                  <a:lumOff val="40000"/>
+                </a:schemeClr>
+              </a:solidFill>
+            </a:ln>
+            <a:effectLst/>
+          </p:spPr>
+          <p:style>
+            <a:lnRef idx="1">
+              <a:schemeClr val="accent1"/>
+            </a:lnRef>
+            <a:fillRef idx="0">
+              <a:schemeClr val="accent1"/>
+            </a:fillRef>
+            <a:effectRef idx="0">
+              <a:schemeClr val="accent1"/>
+            </a:effectRef>
+            <a:fontRef idx="minor">
+              <a:schemeClr val="tx1"/>
+            </a:fontRef>
+          </p:style>
+        </p:cxnSp>
+      </p:grpSp>
     </p:spTree>
   </p:cSld>
   <p:clrMapOvr>
@@ -1919,7 +3154,7 @@
       </p:grpSpPr>
       <p:sp>
         <p:nvSpPr>
-          <p:cNvPr id="2" name="1 Marcador de fecha"/>
+          <p:cNvPr id="2" name="Date Placeholder 1"/>
           <p:cNvSpPr>
             <a:spLocks noGrp="1"/>
           </p:cNvSpPr>
@@ -1934,7 +3169,7 @@
           <a:p>
             <a:fld id="{7A847CFC-816F-41D0-AAC0-9BF4FEBC753E}" type="datetimeFigureOut">
               <a:rPr lang="es-ES" smtClean="0"/>
-              <a:t>25/05/2015</a:t>
+              <a:t>26/05/2015</a:t>
             </a:fld>
             <a:endParaRPr lang="es-ES"/>
           </a:p>
@@ -1942,7 +3177,7 @@
       </p:sp>
       <p:sp>
         <p:nvSpPr>
-          <p:cNvPr id="3" name="2 Marcador de pie de página"/>
+          <p:cNvPr id="3" name="Footer Placeholder 2"/>
           <p:cNvSpPr>
             <a:spLocks noGrp="1"/>
           </p:cNvSpPr>
@@ -1961,7 +3196,7 @@
       </p:sp>
       <p:sp>
         <p:nvSpPr>
-          <p:cNvPr id="4" name="3 Marcador de número de diapositiva"/>
+          <p:cNvPr id="4" name="Slide Number Placeholder 3"/>
           <p:cNvSpPr>
             <a:spLocks noGrp="1"/>
           </p:cNvSpPr>
@@ -2009,7 +3244,7 @@
       </p:grpSpPr>
       <p:sp>
         <p:nvSpPr>
-          <p:cNvPr id="2" name="1 Título"/>
+          <p:cNvPr id="2" name="Title 1"/>
           <p:cNvSpPr>
             <a:spLocks noGrp="1"/>
           </p:cNvSpPr>
@@ -2019,15 +3254,15 @@
         </p:nvSpPr>
         <p:spPr>
           <a:xfrm>
-            <a:off x="457200" y="273050"/>
-            <a:ext cx="3008313" cy="1162050"/>
+            <a:off x="5034579" y="1678195"/>
+            <a:ext cx="3422483" cy="1886921"/>
           </a:xfrm>
         </p:spPr>
         <p:txBody>
           <a:bodyPr anchor="b"/>
           <a:lstStyle>
             <a:lvl1pPr algn="l">
-              <a:defRPr sz="2000" b="1"/>
+              <a:defRPr sz="2800" b="0"/>
             </a:lvl1pPr>
           </a:lstStyle>
           <a:p>
@@ -2035,13 +3270,13 @@
               <a:rPr lang="es-ES" smtClean="0"/>
               <a:t>Haga clic para modificar el estilo de título del patrón</a:t>
             </a:r>
-            <a:endParaRPr lang="es-ES"/>
-          </a:p>
-        </p:txBody>
-      </p:sp>
-      <p:sp>
-        <p:nvSpPr>
-          <p:cNvPr id="3" name="2 Marcador de contenido"/>
+            <a:endParaRPr lang="en-US"/>
+          </a:p>
+        </p:txBody>
+      </p:sp>
+      <p:sp>
+        <p:nvSpPr>
+          <p:cNvPr id="3" name="Content Placeholder 2"/>
           <p:cNvSpPr>
             <a:spLocks noGrp="1"/>
           </p:cNvSpPr>
@@ -2051,27 +3286,27 @@
         </p:nvSpPr>
         <p:spPr>
           <a:xfrm>
-            <a:off x="3575050" y="273050"/>
-            <a:ext cx="5111750" cy="5853113"/>
+            <a:off x="692001" y="559398"/>
+            <a:ext cx="4116667" cy="5566765"/>
           </a:xfrm>
         </p:spPr>
         <p:txBody>
-          <a:bodyPr/>
+          <a:bodyPr anchor="ctr"/>
           <a:lstStyle>
             <a:lvl1pPr>
-              <a:defRPr sz="3200"/>
+              <a:defRPr sz="2400"/>
             </a:lvl1pPr>
             <a:lvl2pPr>
-              <a:defRPr sz="2800"/>
+              <a:defRPr sz="2200"/>
             </a:lvl2pPr>
             <a:lvl3pPr>
-              <a:defRPr sz="2400"/>
+              <a:defRPr sz="2000"/>
             </a:lvl3pPr>
             <a:lvl4pPr>
-              <a:defRPr sz="2000"/>
+              <a:defRPr sz="1800"/>
             </a:lvl4pPr>
             <a:lvl5pPr>
-              <a:defRPr sz="2000"/>
+              <a:defRPr sz="1600"/>
             </a:lvl5pPr>
             <a:lvl6pPr>
               <a:defRPr sz="2000"/>
@@ -2120,13 +3355,13 @@
               <a:rPr lang="es-ES" smtClean="0"/>
               <a:t>Quinto nivel</a:t>
             </a:r>
-            <a:endParaRPr lang="es-ES"/>
-          </a:p>
-        </p:txBody>
-      </p:sp>
-      <p:sp>
-        <p:nvSpPr>
-          <p:cNvPr id="4" name="3 Marcador de texto"/>
+            <a:endParaRPr lang="en-US" dirty="0"/>
+          </a:p>
+        </p:txBody>
+      </p:sp>
+      <p:sp>
+        <p:nvSpPr>
+          <p:cNvPr id="4" name="Text Placeholder 3"/>
           <p:cNvSpPr>
             <a:spLocks noGrp="1"/>
           </p:cNvSpPr>
@@ -2136,16 +3371,18 @@
         </p:nvSpPr>
         <p:spPr>
           <a:xfrm>
-            <a:off x="457200" y="1435100"/>
-            <a:ext cx="3008313" cy="4691063"/>
+            <a:off x="5034579" y="3603812"/>
+            <a:ext cx="3411725" cy="2517289"/>
           </a:xfrm>
         </p:spPr>
         <p:txBody>
-          <a:bodyPr/>
+          <a:bodyPr>
+            <a:normAutofit/>
+          </a:bodyPr>
           <a:lstStyle>
             <a:lvl1pPr marL="0" indent="0">
               <a:buNone/>
-              <a:defRPr sz="1400"/>
+              <a:defRPr sz="1600"/>
             </a:lvl1pPr>
             <a:lvl2pPr marL="457200" indent="0">
               <a:buNone/>
@@ -2191,7 +3428,7 @@
       </p:sp>
       <p:sp>
         <p:nvSpPr>
-          <p:cNvPr id="5" name="4 Marcador de fecha"/>
+          <p:cNvPr id="5" name="Date Placeholder 4"/>
           <p:cNvSpPr>
             <a:spLocks noGrp="1"/>
           </p:cNvSpPr>
@@ -2206,7 +3443,7 @@
           <a:p>
             <a:fld id="{7A847CFC-816F-41D0-AAC0-9BF4FEBC753E}" type="datetimeFigureOut">
               <a:rPr lang="es-ES" smtClean="0"/>
-              <a:t>25/05/2015</a:t>
+              <a:t>26/05/2015</a:t>
             </a:fld>
             <a:endParaRPr lang="es-ES"/>
           </a:p>
@@ -2214,7 +3451,7 @@
       </p:sp>
       <p:sp>
         <p:nvSpPr>
-          <p:cNvPr id="6" name="5 Marcador de pie de página"/>
+          <p:cNvPr id="6" name="Footer Placeholder 5"/>
           <p:cNvSpPr>
             <a:spLocks noGrp="1"/>
           </p:cNvSpPr>
@@ -2233,7 +3470,7 @@
       </p:sp>
       <p:sp>
         <p:nvSpPr>
-          <p:cNvPr id="7" name="6 Marcador de número de diapositiva"/>
+          <p:cNvPr id="7" name="Slide Number Placeholder 6"/>
           <p:cNvSpPr>
             <a:spLocks noGrp="1"/>
           </p:cNvSpPr>
@@ -2281,7 +3518,7 @@
       </p:grpSpPr>
       <p:sp>
         <p:nvSpPr>
-          <p:cNvPr id="2" name="1 Título"/>
+          <p:cNvPr id="2" name="Title 1"/>
           <p:cNvSpPr>
             <a:spLocks noGrp="1"/>
           </p:cNvSpPr>
@@ -2291,15 +3528,15 @@
         </p:nvSpPr>
         <p:spPr>
           <a:xfrm>
-            <a:off x="1792288" y="4800600"/>
-            <a:ext cx="5486400" cy="566738"/>
+            <a:off x="677731" y="4668818"/>
+            <a:ext cx="7767021" cy="644729"/>
           </a:xfrm>
         </p:spPr>
         <p:txBody>
           <a:bodyPr anchor="b"/>
           <a:lstStyle>
-            <a:lvl1pPr algn="l">
-              <a:defRPr sz="2000" b="1"/>
+            <a:lvl1pPr algn="ctr">
+              <a:defRPr sz="2800" b="0"/>
             </a:lvl1pPr>
           </a:lstStyle>
           <a:p>
@@ -2307,13 +3544,13 @@
               <a:rPr lang="es-ES" smtClean="0"/>
               <a:t>Haga clic para modificar el estilo de título del patrón</a:t>
             </a:r>
-            <a:endParaRPr lang="es-ES"/>
-          </a:p>
-        </p:txBody>
-      </p:sp>
-      <p:sp>
-        <p:nvSpPr>
-          <p:cNvPr id="3" name="2 Marcador de posición de imagen"/>
+            <a:endParaRPr lang="en-US"/>
+          </a:p>
+        </p:txBody>
+      </p:sp>
+      <p:sp>
+        <p:nvSpPr>
+          <p:cNvPr id="3" name="Picture Placeholder 2"/>
           <p:cNvSpPr>
             <a:spLocks noGrp="1"/>
           </p:cNvSpPr>
@@ -2322,10 +3559,42 @@
           </p:nvPr>
         </p:nvSpPr>
         <p:spPr>
-          <a:xfrm>
-            <a:off x="1792288" y="612775"/>
-            <a:ext cx="5486400" cy="4114800"/>
+          <a:xfrm rot="240000">
+            <a:off x="2183792" y="666965"/>
+            <a:ext cx="4772156" cy="3598016"/>
           </a:xfrm>
+          <a:solidFill>
+            <a:srgbClr val="FFFFFF">
+              <a:shade val="85000"/>
+            </a:srgbClr>
+          </a:solidFill>
+          <a:ln w="190500" cap="sq">
+            <a:solidFill>
+              <a:srgbClr val="FFFFFF"/>
+            </a:solidFill>
+            <a:miter lim="800000"/>
+          </a:ln>
+          <a:effectLst>
+            <a:outerShdw blurRad="65000" dist="50800" dir="12900000" kx="195000" ky="145000" algn="tl" rotWithShape="0">
+              <a:srgbClr val="000000">
+                <a:alpha val="24000"/>
+              </a:srgbClr>
+            </a:outerShdw>
+          </a:effectLst>
+          <a:scene3d>
+            <a:camera prst="orthographicFront">
+              <a:rot lat="0" lon="0" rev="360000"/>
+            </a:camera>
+            <a:lightRig rig="twoPt" dir="t">
+              <a:rot lat="0" lon="0" rev="7200000"/>
+            </a:lightRig>
+          </a:scene3d>
+          <a:sp3d contourW="12700">
+            <a:bevelT w="25400" h="19050"/>
+            <a:contourClr>
+              <a:srgbClr val="969696"/>
+            </a:contourClr>
+          </a:sp3d>
         </p:spPr>
         <p:txBody>
           <a:bodyPr/>
@@ -2368,13 +3637,17 @@
             </a:lvl9pPr>
           </a:lstStyle>
           <a:p>
-            <a:endParaRPr lang="es-ES"/>
-          </a:p>
-        </p:txBody>
-      </p:sp>
-      <p:sp>
-        <p:nvSpPr>
-          <p:cNvPr id="4" name="3 Marcador de texto"/>
+            <a:r>
+              <a:rPr lang="es-ES" smtClean="0"/>
+              <a:t>Haga clic en el icono para agregar una imagen</a:t>
+            </a:r>
+            <a:endParaRPr lang="en-US" dirty="0"/>
+          </a:p>
+        </p:txBody>
+      </p:sp>
+      <p:sp>
+        <p:nvSpPr>
+          <p:cNvPr id="4" name="Text Placeholder 3"/>
           <p:cNvSpPr>
             <a:spLocks noGrp="1"/>
           </p:cNvSpPr>
@@ -2384,16 +3657,18 @@
         </p:nvSpPr>
         <p:spPr>
           <a:xfrm>
-            <a:off x="1792288" y="5367338"/>
-            <a:ext cx="5486400" cy="804862"/>
+            <a:off x="688489" y="5324306"/>
+            <a:ext cx="7756264" cy="804862"/>
           </a:xfrm>
         </p:spPr>
         <p:txBody>
-          <a:bodyPr/>
+          <a:bodyPr>
+            <a:normAutofit/>
+          </a:bodyPr>
           <a:lstStyle>
-            <a:lvl1pPr marL="0" indent="0">
-              <a:buNone/>
-              <a:defRPr sz="1400"/>
+            <a:lvl1pPr marL="0" indent="0" algn="ctr">
+              <a:buNone/>
+              <a:defRPr sz="1600"/>
             </a:lvl1pPr>
             <a:lvl2pPr marL="457200" indent="0">
               <a:buNone/>
@@ -2439,7 +3714,7 @@
       </p:sp>
       <p:sp>
         <p:nvSpPr>
-          <p:cNvPr id="5" name="4 Marcador de fecha"/>
+          <p:cNvPr id="5" name="Date Placeholder 4"/>
           <p:cNvSpPr>
             <a:spLocks noGrp="1"/>
           </p:cNvSpPr>
@@ -2454,7 +3729,7 @@
           <a:p>
             <a:fld id="{7A847CFC-816F-41D0-AAC0-9BF4FEBC753E}" type="datetimeFigureOut">
               <a:rPr lang="es-ES" smtClean="0"/>
-              <a:t>25/05/2015</a:t>
+              <a:t>26/05/2015</a:t>
             </a:fld>
             <a:endParaRPr lang="es-ES"/>
           </a:p>
@@ -2462,7 +3737,7 @@
       </p:sp>
       <p:sp>
         <p:nvSpPr>
-          <p:cNvPr id="6" name="5 Marcador de pie de página"/>
+          <p:cNvPr id="6" name="Footer Placeholder 5"/>
           <p:cNvSpPr>
             <a:spLocks noGrp="1"/>
           </p:cNvSpPr>
@@ -2481,7 +3756,7 @@
       </p:sp>
       <p:sp>
         <p:nvSpPr>
-          <p:cNvPr id="7" name="6 Marcador de número de diapositiva"/>
+          <p:cNvPr id="7" name="Slide Number Placeholder 6"/>
           <p:cNvSpPr>
             <a:spLocks noGrp="1"/>
           </p:cNvSpPr>
@@ -2514,7 +3789,7 @@
 <p:sldMaster xmlns:a="http://schemas.openxmlformats.org/drawingml/2006/main" xmlns:r="http://schemas.openxmlformats.org/officeDocument/2006/relationships" xmlns:p="http://schemas.openxmlformats.org/presentationml/2006/main">
   <p:cSld>
     <p:bg>
-      <p:bgRef idx="1001">
+      <p:bgRef idx="1002">
         <a:schemeClr val="bg1"/>
       </p:bgRef>
     </p:bg>
@@ -2534,18 +3809,80 @@
       </p:grpSpPr>
       <p:sp>
         <p:nvSpPr>
-          <p:cNvPr id="2" name="1 Marcador de título"/>
-          <p:cNvSpPr>
-            <a:spLocks noGrp="1"/>
-          </p:cNvSpPr>
-          <p:nvPr>
-            <p:ph type="title"/>
-          </p:nvPr>
+          <p:cNvPr id="7" name="Rectangle 6"/>
+          <p:cNvSpPr/>
+          <p:nvPr/>
         </p:nvSpPr>
         <p:spPr>
           <a:xfrm>
-            <a:off x="457200" y="274638"/>
-            <a:ext cx="8229600" cy="1143000"/>
+            <a:off x="0" y="0"/>
+            <a:ext cx="9144000" cy="6858000"/>
+          </a:xfrm>
+          <a:prstGeom prst="rect">
+            <a:avLst/>
+          </a:prstGeom>
+          <a:gradFill flip="none" rotWithShape="1">
+            <a:gsLst>
+              <a:gs pos="83000">
+                <a:schemeClr val="bg1">
+                  <a:alpha val="11000"/>
+                </a:schemeClr>
+              </a:gs>
+              <a:gs pos="100000">
+                <a:schemeClr val="bg2">
+                  <a:lumMod val="75000"/>
+                  <a:alpha val="23000"/>
+                </a:schemeClr>
+              </a:gs>
+            </a:gsLst>
+            <a:path path="rect">
+              <a:fillToRect l="50000" t="50000" r="50000" b="50000"/>
+            </a:path>
+            <a:tileRect/>
+          </a:gradFill>
+          <a:ln>
+            <a:noFill/>
+          </a:ln>
+        </p:spPr>
+        <p:style>
+          <a:lnRef idx="2">
+            <a:schemeClr val="accent1">
+              <a:shade val="50000"/>
+            </a:schemeClr>
+          </a:lnRef>
+          <a:fillRef idx="1">
+            <a:schemeClr val="accent1"/>
+          </a:fillRef>
+          <a:effectRef idx="0">
+            <a:schemeClr val="accent1"/>
+          </a:effectRef>
+          <a:fontRef idx="minor">
+            <a:schemeClr val="lt1"/>
+          </a:fontRef>
+        </p:style>
+        <p:txBody>
+          <a:bodyPr rtlCol="0" anchor="ctr"/>
+          <a:lstStyle/>
+          <a:p>
+            <a:pPr algn="ctr"/>
+            <a:endParaRPr lang="en-US"/>
+          </a:p>
+        </p:txBody>
+      </p:sp>
+      <p:sp>
+        <p:nvSpPr>
+          <p:cNvPr id="2" name="Title Placeholder 1"/>
+          <p:cNvSpPr>
+            <a:spLocks noGrp="1"/>
+          </p:cNvSpPr>
+          <p:nvPr>
+            <p:ph type="title"/>
+          </p:nvPr>
+        </p:nvSpPr>
+        <p:spPr>
+          <a:xfrm>
+            <a:off x="688490" y="570156"/>
+            <a:ext cx="7756263" cy="1054250"/>
           </a:xfrm>
           <a:prstGeom prst="rect">
             <a:avLst/>
@@ -2553,7 +3890,7 @@
         </p:spPr>
         <p:txBody>
           <a:bodyPr vert="horz" lIns="91440" tIns="45720" rIns="91440" bIns="45720" rtlCol="0" anchor="ctr">
-            <a:normAutofit/>
+            <a:noAutofit/>
           </a:bodyPr>
           <a:lstStyle/>
           <a:p>
@@ -2561,13 +3898,13 @@
               <a:rPr lang="es-ES" smtClean="0"/>
               <a:t>Haga clic para modificar el estilo de título del patrón</a:t>
             </a:r>
-            <a:endParaRPr lang="es-ES"/>
-          </a:p>
-        </p:txBody>
-      </p:sp>
-      <p:sp>
-        <p:nvSpPr>
-          <p:cNvPr id="3" name="2 Marcador de texto"/>
+            <a:endParaRPr lang="en-US" dirty="0"/>
+          </a:p>
+        </p:txBody>
+      </p:sp>
+      <p:sp>
+        <p:nvSpPr>
+          <p:cNvPr id="3" name="Text Placeholder 2"/>
           <p:cNvSpPr>
             <a:spLocks noGrp="1"/>
           </p:cNvSpPr>
@@ -2577,8 +3914,8 @@
         </p:nvSpPr>
         <p:spPr>
           <a:xfrm>
-            <a:off x="457200" y="1600200"/>
-            <a:ext cx="8229600" cy="4525963"/>
+            <a:off x="699247" y="2248347"/>
+            <a:ext cx="7745505" cy="3877815"/>
           </a:xfrm>
           <a:prstGeom prst="rect">
             <a:avLst/>
@@ -2623,13 +3960,13 @@
               <a:rPr lang="es-ES" smtClean="0"/>
               <a:t>Quinto nivel</a:t>
             </a:r>
-            <a:endParaRPr lang="es-ES"/>
-          </a:p>
-        </p:txBody>
-      </p:sp>
-      <p:sp>
-        <p:nvSpPr>
-          <p:cNvPr id="4" name="3 Marcador de fecha"/>
+            <a:endParaRPr lang="en-US" dirty="0"/>
+          </a:p>
+        </p:txBody>
+      </p:sp>
+      <p:sp>
+        <p:nvSpPr>
+          <p:cNvPr id="4" name="Date Placeholder 3"/>
           <p:cNvSpPr>
             <a:spLocks noGrp="1"/>
           </p:cNvSpPr>
@@ -2639,7 +3976,7 @@
         </p:nvSpPr>
         <p:spPr>
           <a:xfrm>
-            <a:off x="457200" y="6356350"/>
+            <a:off x="360378" y="6161442"/>
             <a:ext cx="2133600" cy="365125"/>
           </a:xfrm>
           <a:prstGeom prst="rect">
@@ -2652,9 +3989,7 @@
             <a:lvl1pPr algn="l">
               <a:defRPr sz="1200">
                 <a:solidFill>
-                  <a:schemeClr val="tx1">
-                    <a:tint val="75000"/>
-                  </a:schemeClr>
+                  <a:schemeClr val="tx2"/>
                 </a:solidFill>
               </a:defRPr>
             </a:lvl1pPr>
@@ -2662,7 +3997,7 @@
           <a:p>
             <a:fld id="{7A847CFC-816F-41D0-AAC0-9BF4FEBC753E}" type="datetimeFigureOut">
               <a:rPr lang="es-ES" smtClean="0"/>
-              <a:t>25/05/2015</a:t>
+              <a:t>26/05/2015</a:t>
             </a:fld>
             <a:endParaRPr lang="es-ES"/>
           </a:p>
@@ -2670,7 +4005,7 @@
       </p:sp>
       <p:sp>
         <p:nvSpPr>
-          <p:cNvPr id="5" name="4 Marcador de pie de página"/>
+          <p:cNvPr id="5" name="Footer Placeholder 4"/>
           <p:cNvSpPr>
             <a:spLocks noGrp="1"/>
           </p:cNvSpPr>
@@ -2680,7 +4015,7 @@
         </p:nvSpPr>
         <p:spPr>
           <a:xfrm>
-            <a:off x="3124200" y="6356350"/>
+            <a:off x="3124200" y="6161442"/>
             <a:ext cx="2895600" cy="365125"/>
           </a:xfrm>
           <a:prstGeom prst="rect">
@@ -2693,9 +4028,7 @@
             <a:lvl1pPr algn="ctr">
               <a:defRPr sz="1200">
                 <a:solidFill>
-                  <a:schemeClr val="tx1">
-                    <a:tint val="75000"/>
-                  </a:schemeClr>
+                  <a:schemeClr val="tx2"/>
                 </a:solidFill>
               </a:defRPr>
             </a:lvl1pPr>
@@ -2707,7 +4040,7 @@
       </p:sp>
       <p:sp>
         <p:nvSpPr>
-          <p:cNvPr id="6" name="5 Marcador de número de diapositiva"/>
+          <p:cNvPr id="6" name="Slide Number Placeholder 5"/>
           <p:cNvSpPr>
             <a:spLocks noGrp="1"/>
           </p:cNvSpPr>
@@ -2717,7 +4050,7 @@
         </p:nvSpPr>
         <p:spPr>
           <a:xfrm>
-            <a:off x="6553200" y="6356350"/>
+            <a:off x="6639264" y="6161442"/>
             <a:ext cx="2133600" cy="365125"/>
           </a:xfrm>
           <a:prstGeom prst="rect">
@@ -2730,9 +4063,7 @@
             <a:lvl1pPr algn="r">
               <a:defRPr sz="1200">
                 <a:solidFill>
-                  <a:schemeClr val="tx1">
-                    <a:tint val="75000"/>
-                  </a:schemeClr>
+                  <a:schemeClr val="tx2"/>
                 </a:solidFill>
               </a:defRPr>
             </a:lvl1pPr>
@@ -2750,17 +4081,17 @@
   </p:cSld>
   <p:clrMap bg1="lt1" tx1="dk1" bg2="lt2" tx2="dk2" accent1="accent1" accent2="accent2" accent3="accent3" accent4="accent4" accent5="accent5" accent6="accent6" hlink="hlink" folHlink="folHlink"/>
   <p:sldLayoutIdLst>
-    <p:sldLayoutId id="2147483649" r:id="rId1"/>
-    <p:sldLayoutId id="2147483650" r:id="rId2"/>
-    <p:sldLayoutId id="2147483651" r:id="rId3"/>
-    <p:sldLayoutId id="2147483652" r:id="rId4"/>
-    <p:sldLayoutId id="2147483653" r:id="rId5"/>
-    <p:sldLayoutId id="2147483654" r:id="rId6"/>
-    <p:sldLayoutId id="2147483655" r:id="rId7"/>
-    <p:sldLayoutId id="2147483656" r:id="rId8"/>
-    <p:sldLayoutId id="2147483657" r:id="rId9"/>
-    <p:sldLayoutId id="2147483658" r:id="rId10"/>
-    <p:sldLayoutId id="2147483659" r:id="rId11"/>
+    <p:sldLayoutId id="2147483661" r:id="rId1"/>
+    <p:sldLayoutId id="2147483662" r:id="rId2"/>
+    <p:sldLayoutId id="2147483663" r:id="rId3"/>
+    <p:sldLayoutId id="2147483664" r:id="rId4"/>
+    <p:sldLayoutId id="2147483665" r:id="rId5"/>
+    <p:sldLayoutId id="2147483666" r:id="rId6"/>
+    <p:sldLayoutId id="2147483667" r:id="rId7"/>
+    <p:sldLayoutId id="2147483668" r:id="rId8"/>
+    <p:sldLayoutId id="2147483669" r:id="rId9"/>
+    <p:sldLayoutId id="2147483670" r:id="rId10"/>
+    <p:sldLayoutId id="2147483671" r:id="rId11"/>
   </p:sldLayoutIdLst>
   <p:txStyles>
     <p:titleStyle>
@@ -2769,99 +4100,188 @@
           <a:spcPct val="0"/>
         </a:spcBef>
         <a:buNone/>
-        <a:defRPr sz="4400" kern="1200">
+        <a:defRPr sz="5400" kern="1200">
           <a:solidFill>
-            <a:schemeClr val="tx1"/>
+            <a:schemeClr val="tx2"/>
           </a:solidFill>
           <a:latin typeface="+mj-lt"/>
           <a:ea typeface="+mj-ea"/>
           <a:cs typeface="+mj-cs"/>
         </a:defRPr>
       </a:lvl1pPr>
+      <a:lvl2pPr eaLnBrk="1" hangingPunct="1">
+        <a:defRPr>
+          <a:solidFill>
+            <a:schemeClr val="tx2"/>
+          </a:solidFill>
+        </a:defRPr>
+      </a:lvl2pPr>
+      <a:lvl3pPr eaLnBrk="1" hangingPunct="1">
+        <a:defRPr>
+          <a:solidFill>
+            <a:schemeClr val="tx2"/>
+          </a:solidFill>
+        </a:defRPr>
+      </a:lvl3pPr>
+      <a:lvl4pPr eaLnBrk="1" hangingPunct="1">
+        <a:defRPr>
+          <a:solidFill>
+            <a:schemeClr val="tx2"/>
+          </a:solidFill>
+        </a:defRPr>
+      </a:lvl4pPr>
+      <a:lvl5pPr eaLnBrk="1" hangingPunct="1">
+        <a:defRPr>
+          <a:solidFill>
+            <a:schemeClr val="tx2"/>
+          </a:solidFill>
+        </a:defRPr>
+      </a:lvl5pPr>
+      <a:lvl6pPr eaLnBrk="1" hangingPunct="1">
+        <a:defRPr>
+          <a:solidFill>
+            <a:schemeClr val="tx2"/>
+          </a:solidFill>
+        </a:defRPr>
+      </a:lvl6pPr>
+      <a:lvl7pPr eaLnBrk="1" hangingPunct="1">
+        <a:defRPr>
+          <a:solidFill>
+            <a:schemeClr val="tx2"/>
+          </a:solidFill>
+        </a:defRPr>
+      </a:lvl7pPr>
+      <a:lvl8pPr eaLnBrk="1" hangingPunct="1">
+        <a:defRPr>
+          <a:solidFill>
+            <a:schemeClr val="tx2"/>
+          </a:solidFill>
+        </a:defRPr>
+      </a:lvl8pPr>
+      <a:lvl9pPr eaLnBrk="1" hangingPunct="1">
+        <a:defRPr>
+          <a:solidFill>
+            <a:schemeClr val="tx2"/>
+          </a:solidFill>
+        </a:defRPr>
+      </a:lvl9pPr>
     </p:titleStyle>
     <p:bodyStyle>
-      <a:lvl1pPr marL="342900" indent="-342900" algn="l" defTabSz="914400" rtl="0" eaLnBrk="1" latinLnBrk="0" hangingPunct="1">
+      <a:lvl1pPr marL="365760" indent="-365760" algn="l" defTabSz="914400" rtl="0" eaLnBrk="1" latinLnBrk="0" hangingPunct="1">
         <a:spcBef>
           <a:spcPct val="20000"/>
         </a:spcBef>
-        <a:buFont typeface="Arial" pitchFamily="34" charset="0"/>
-        <a:buChar char="•"/>
-        <a:defRPr sz="3200" kern="1200">
+        <a:buClr>
+          <a:schemeClr val="accent1"/>
+        </a:buClr>
+        <a:buFont typeface="Wingdings" pitchFamily="2" charset="2"/>
+        <a:buChar char=""/>
+        <a:defRPr sz="2400" kern="1200">
           <a:solidFill>
-            <a:schemeClr val="tx1"/>
+            <a:schemeClr val="tx1">
+              <a:lumMod val="85000"/>
+              <a:lumOff val="15000"/>
+            </a:schemeClr>
           </a:solidFill>
           <a:latin typeface="+mn-lt"/>
           <a:ea typeface="+mn-ea"/>
           <a:cs typeface="+mn-cs"/>
         </a:defRPr>
       </a:lvl1pPr>
-      <a:lvl2pPr marL="742950" indent="-285750" algn="l" defTabSz="914400" rtl="0" eaLnBrk="1" latinLnBrk="0" hangingPunct="1">
+      <a:lvl2pPr marL="777240" indent="-365760" algn="l" defTabSz="914400" rtl="0" eaLnBrk="1" latinLnBrk="0" hangingPunct="1">
         <a:spcBef>
           <a:spcPct val="20000"/>
         </a:spcBef>
-        <a:buFont typeface="Arial" pitchFamily="34" charset="0"/>
-        <a:buChar char="–"/>
-        <a:defRPr sz="2800" kern="1200">
+        <a:buClr>
+          <a:schemeClr val="accent1"/>
+        </a:buClr>
+        <a:buFont typeface="Wingdings" pitchFamily="2" charset="2"/>
+        <a:buChar char=""/>
+        <a:defRPr sz="2200" kern="1200">
           <a:solidFill>
-            <a:schemeClr val="tx1"/>
+            <a:schemeClr val="tx1">
+              <a:lumMod val="85000"/>
+              <a:lumOff val="15000"/>
+            </a:schemeClr>
           </a:solidFill>
           <a:latin typeface="+mn-lt"/>
           <a:ea typeface="+mn-ea"/>
           <a:cs typeface="+mn-cs"/>
         </a:defRPr>
       </a:lvl2pPr>
-      <a:lvl3pPr marL="1143000" indent="-228600" algn="l" defTabSz="914400" rtl="0" eaLnBrk="1" latinLnBrk="0" hangingPunct="1">
+      <a:lvl3pPr marL="1143000" indent="-365760" algn="l" defTabSz="914400" rtl="0" eaLnBrk="1" latinLnBrk="0" hangingPunct="1">
         <a:spcBef>
           <a:spcPct val="20000"/>
         </a:spcBef>
-        <a:buFont typeface="Arial" pitchFamily="34" charset="0"/>
-        <a:buChar char="•"/>
-        <a:defRPr sz="2400" kern="1200">
+        <a:buClr>
+          <a:schemeClr val="accent1"/>
+        </a:buClr>
+        <a:buFont typeface="Wingdings" pitchFamily="2" charset="2"/>
+        <a:buChar char=""/>
+        <a:defRPr sz="2000" kern="1200">
           <a:solidFill>
-            <a:schemeClr val="tx1"/>
+            <a:schemeClr val="tx1">
+              <a:lumMod val="85000"/>
+              <a:lumOff val="15000"/>
+            </a:schemeClr>
           </a:solidFill>
           <a:latin typeface="+mn-lt"/>
           <a:ea typeface="+mn-ea"/>
           <a:cs typeface="+mn-cs"/>
         </a:defRPr>
       </a:lvl3pPr>
-      <a:lvl4pPr marL="1600200" indent="-228600" algn="l" defTabSz="914400" rtl="0" eaLnBrk="1" latinLnBrk="0" hangingPunct="1">
+      <a:lvl4pPr marL="1508760" indent="-320040" algn="l" defTabSz="914400" rtl="0" eaLnBrk="1" latinLnBrk="0" hangingPunct="1">
         <a:spcBef>
           <a:spcPct val="20000"/>
         </a:spcBef>
-        <a:buFont typeface="Arial" pitchFamily="34" charset="0"/>
-        <a:buChar char="–"/>
-        <a:defRPr sz="2000" kern="1200">
+        <a:buClr>
+          <a:schemeClr val="accent1"/>
+        </a:buClr>
+        <a:buFont typeface="Wingdings" pitchFamily="2" charset="2"/>
+        <a:buChar char=""/>
+        <a:defRPr sz="1800" kern="1200">
           <a:solidFill>
-            <a:schemeClr val="tx1"/>
+            <a:schemeClr val="tx1">
+              <a:lumMod val="85000"/>
+              <a:lumOff val="15000"/>
+            </a:schemeClr>
           </a:solidFill>
           <a:latin typeface="+mn-lt"/>
           <a:ea typeface="+mn-ea"/>
           <a:cs typeface="+mn-cs"/>
         </a:defRPr>
       </a:lvl4pPr>
-      <a:lvl5pPr marL="2057400" indent="-228600" algn="l" defTabSz="914400" rtl="0" eaLnBrk="1" latinLnBrk="0" hangingPunct="1">
+      <a:lvl5pPr marL="1828800" indent="-320040" algn="l" defTabSz="914400" rtl="0" eaLnBrk="1" latinLnBrk="0" hangingPunct="1">
         <a:spcBef>
           <a:spcPct val="20000"/>
         </a:spcBef>
-        <a:buFont typeface="Arial" pitchFamily="34" charset="0"/>
-        <a:buChar char="»"/>
-        <a:defRPr sz="2000" kern="1200">
+        <a:buClr>
+          <a:schemeClr val="accent1"/>
+        </a:buClr>
+        <a:buFont typeface="Wingdings" pitchFamily="2" charset="2"/>
+        <a:buChar char=""/>
+        <a:defRPr sz="1600" kern="1200">
           <a:solidFill>
-            <a:schemeClr val="tx1"/>
+            <a:schemeClr val="tx1">
+              <a:lumMod val="85000"/>
+              <a:lumOff val="15000"/>
+            </a:schemeClr>
           </a:solidFill>
           <a:latin typeface="+mn-lt"/>
           <a:ea typeface="+mn-ea"/>
           <a:cs typeface="+mn-cs"/>
         </a:defRPr>
       </a:lvl5pPr>
-      <a:lvl6pPr marL="2514600" indent="-228600" algn="l" defTabSz="914400" rtl="0" eaLnBrk="1" latinLnBrk="0" hangingPunct="1">
+      <a:lvl6pPr marL="2148840" indent="-274320" algn="l" defTabSz="914400" rtl="0" eaLnBrk="1" latinLnBrk="0" hangingPunct="1">
         <a:spcBef>
-          <a:spcPct val="20000"/>
+          <a:spcPts val="400"/>
         </a:spcBef>
-        <a:buFont typeface="Arial" pitchFamily="34" charset="0"/>
-        <a:buChar char="•"/>
-        <a:defRPr sz="2000" kern="1200">
+        <a:buClr>
+          <a:schemeClr val="accent1"/>
+        </a:buClr>
+        <a:buFont typeface="Wingdings" pitchFamily="2" charset="2"/>
+        <a:buChar char=""/>
+        <a:defRPr sz="1400" kern="1200">
           <a:solidFill>
             <a:schemeClr val="tx1"/>
           </a:solidFill>
@@ -2870,13 +4290,16 @@
           <a:cs typeface="+mn-cs"/>
         </a:defRPr>
       </a:lvl6pPr>
-      <a:lvl7pPr marL="2971800" indent="-228600" algn="l" defTabSz="914400" rtl="0" eaLnBrk="1" latinLnBrk="0" hangingPunct="1">
+      <a:lvl7pPr marL="2468880" indent="-274320" algn="l" defTabSz="914400" rtl="0" eaLnBrk="1" latinLnBrk="0" hangingPunct="1">
         <a:spcBef>
-          <a:spcPct val="20000"/>
+          <a:spcPts val="400"/>
         </a:spcBef>
-        <a:buFont typeface="Arial" pitchFamily="34" charset="0"/>
-        <a:buChar char="•"/>
-        <a:defRPr sz="2000" kern="1200">
+        <a:buClr>
+          <a:schemeClr val="accent1"/>
+        </a:buClr>
+        <a:buFont typeface="Wingdings" pitchFamily="2" charset="2"/>
+        <a:buChar char=""/>
+        <a:defRPr sz="1400" kern="1200">
           <a:solidFill>
             <a:schemeClr val="tx1"/>
           </a:solidFill>
@@ -2885,13 +4308,16 @@
           <a:cs typeface="+mn-cs"/>
         </a:defRPr>
       </a:lvl7pPr>
-      <a:lvl8pPr marL="3429000" indent="-228600" algn="l" defTabSz="914400" rtl="0" eaLnBrk="1" latinLnBrk="0" hangingPunct="1">
+      <a:lvl8pPr marL="2788920" indent="-274320" algn="l" defTabSz="914400" rtl="0" eaLnBrk="1" latinLnBrk="0" hangingPunct="1">
         <a:spcBef>
-          <a:spcPct val="20000"/>
+          <a:spcPts val="400"/>
         </a:spcBef>
-        <a:buFont typeface="Arial" pitchFamily="34" charset="0"/>
-        <a:buChar char="•"/>
-        <a:defRPr sz="2000" kern="1200">
+        <a:buClr>
+          <a:schemeClr val="accent1"/>
+        </a:buClr>
+        <a:buFont typeface="Wingdings" pitchFamily="2" charset="2"/>
+        <a:buChar char=""/>
+        <a:defRPr sz="1400" kern="1200">
           <a:solidFill>
             <a:schemeClr val="tx1"/>
           </a:solidFill>
@@ -2900,13 +4326,16 @@
           <a:cs typeface="+mn-cs"/>
         </a:defRPr>
       </a:lvl8pPr>
-      <a:lvl9pPr marL="3886200" indent="-228600" algn="l" defTabSz="914400" rtl="0" eaLnBrk="1" latinLnBrk="0" hangingPunct="1">
+      <a:lvl9pPr marL="3108960" indent="-274320" algn="l" defTabSz="914400" rtl="0" eaLnBrk="1" latinLnBrk="0" hangingPunct="1">
         <a:spcBef>
-          <a:spcPct val="20000"/>
+          <a:spcPts val="400"/>
         </a:spcBef>
-        <a:buFont typeface="Arial" pitchFamily="34" charset="0"/>
-        <a:buChar char="•"/>
-        <a:defRPr sz="2000" kern="1200">
+        <a:buClr>
+          <a:schemeClr val="accent1"/>
+        </a:buClr>
+        <a:buFont typeface="Wingdings" pitchFamily="2" charset="2"/>
+        <a:buChar char=""/>
+        <a:defRPr sz="1400" kern="1200">
           <a:solidFill>
             <a:schemeClr val="tx1"/>
           </a:solidFill>
@@ -2918,7 +4347,7 @@
     </p:bodyStyle>
     <p:otherStyle>
       <a:defPPr>
-        <a:defRPr lang="es-ES"/>
+        <a:defRPr lang="en-US"/>
       </a:defPPr>
       <a:lvl1pPr marL="0" algn="l" defTabSz="914400" rtl="0" eaLnBrk="1" latinLnBrk="0" hangingPunct="1">
         <a:defRPr sz="1800" kern="1200">
@@ -3015,10 +4444,1110 @@
 </p:sldMaster>
 </file>
 
+<file path=ppt/slides/slide1.xml><?xml version="1.0" encoding="utf-8"?>
+<p:sld xmlns:a="http://schemas.openxmlformats.org/drawingml/2006/main" xmlns:r="http://schemas.openxmlformats.org/officeDocument/2006/relationships" xmlns:p="http://schemas.openxmlformats.org/presentationml/2006/main">
+  <p:cSld>
+    <p:spTree>
+      <p:nvGrpSpPr>
+        <p:cNvPr id="1" name=""/>
+        <p:cNvGrpSpPr/>
+        <p:nvPr/>
+      </p:nvGrpSpPr>
+      <p:grpSpPr>
+        <a:xfrm>
+          <a:off x="0" y="0"/>
+          <a:ext cx="0" cy="0"/>
+          <a:chOff x="0" y="0"/>
+          <a:chExt cx="0" cy="0"/>
+        </a:xfrm>
+      </p:grpSpPr>
+      <p:sp>
+        <p:nvSpPr>
+          <p:cNvPr id="2" name="1 Título"/>
+          <p:cNvSpPr>
+            <a:spLocks noGrp="1"/>
+          </p:cNvSpPr>
+          <p:nvPr>
+            <p:ph type="ctrTitle"/>
+          </p:nvPr>
+        </p:nvSpPr>
+        <p:spPr>
+          <a:xfrm>
+            <a:off x="755576" y="260649"/>
+            <a:ext cx="7772400" cy="1008111"/>
+          </a:xfrm>
+        </p:spPr>
+        <p:txBody>
+          <a:bodyPr/>
+          <a:lstStyle/>
+          <a:p>
+            <a:r>
+              <a:rPr lang="en-US" dirty="0" smtClean="0"/>
+              <a:t>Google Drive</a:t>
+            </a:r>
+            <a:endParaRPr lang="es-ES" dirty="0"/>
+          </a:p>
+        </p:txBody>
+      </p:sp>
+      <p:pic>
+        <p:nvPicPr>
+          <p:cNvPr id="4" name="3 Imagen"/>
+          <p:cNvPicPr>
+            <a:picLocks noChangeAspect="1"/>
+          </p:cNvPicPr>
+          <p:nvPr/>
+        </p:nvPicPr>
+        <p:blipFill>
+          <a:blip r:embed="rId2">
+            <a:extLst>
+              <a:ext uri="{28A0092B-C50C-407E-A947-70E740481C1C}">
+                <a14:useLocalDpi xmlns:a14="http://schemas.microsoft.com/office/drawing/2010/main" val="0"/>
+              </a:ext>
+            </a:extLst>
+          </a:blip>
+          <a:stretch>
+            <a:fillRect/>
+          </a:stretch>
+        </p:blipFill>
+        <p:spPr>
+          <a:xfrm>
+            <a:off x="395535" y="1412776"/>
+            <a:ext cx="8496945" cy="5039212"/>
+          </a:xfrm>
+          <a:prstGeom prst="rect">
+            <a:avLst/>
+          </a:prstGeom>
+        </p:spPr>
+      </p:pic>
+    </p:spTree>
+    <p:extLst>
+      <p:ext uri="{BB962C8B-B14F-4D97-AF65-F5344CB8AC3E}">
+        <p14:creationId xmlns:p14="http://schemas.microsoft.com/office/powerpoint/2010/main" val="1356179297"/>
+      </p:ext>
+    </p:extLst>
+  </p:cSld>
+  <p:clrMapOvr>
+    <a:masterClrMapping/>
+  </p:clrMapOvr>
+</p:sld>
+</file>
+
+<file path=ppt/slides/slide10.xml><?xml version="1.0" encoding="utf-8"?>
+<p:sld xmlns:a="http://schemas.openxmlformats.org/drawingml/2006/main" xmlns:r="http://schemas.openxmlformats.org/officeDocument/2006/relationships" xmlns:p="http://schemas.openxmlformats.org/presentationml/2006/main">
+  <p:cSld>
+    <p:spTree>
+      <p:nvGrpSpPr>
+        <p:cNvPr id="1" name=""/>
+        <p:cNvGrpSpPr/>
+        <p:nvPr/>
+      </p:nvGrpSpPr>
+      <p:grpSpPr>
+        <a:xfrm>
+          <a:off x="0" y="0"/>
+          <a:ext cx="0" cy="0"/>
+          <a:chOff x="0" y="0"/>
+          <a:chExt cx="0" cy="0"/>
+        </a:xfrm>
+      </p:grpSpPr>
+      <p:pic>
+        <p:nvPicPr>
+          <p:cNvPr id="4" name="3 Marcador de contenido"/>
+          <p:cNvPicPr>
+            <a:picLocks noGrp="1" noChangeAspect="1"/>
+          </p:cNvPicPr>
+          <p:nvPr>
+            <p:ph idx="1"/>
+          </p:nvPr>
+        </p:nvPicPr>
+        <p:blipFill>
+          <a:blip r:embed="rId2">
+            <a:extLst>
+              <a:ext uri="{28A0092B-C50C-407E-A947-70E740481C1C}">
+                <a14:useLocalDpi xmlns:a14="http://schemas.microsoft.com/office/drawing/2010/main" val="0"/>
+              </a:ext>
+            </a:extLst>
+          </a:blip>
+          <a:stretch>
+            <a:fillRect/>
+          </a:stretch>
+        </p:blipFill>
+        <p:spPr>
+          <a:xfrm>
+            <a:off x="698500" y="2253121"/>
+            <a:ext cx="7747000" cy="3867820"/>
+          </a:xfrm>
+        </p:spPr>
+      </p:pic>
+      <p:sp>
+        <p:nvSpPr>
+          <p:cNvPr id="2" name="1 Título"/>
+          <p:cNvSpPr>
+            <a:spLocks noGrp="1"/>
+          </p:cNvSpPr>
+          <p:nvPr>
+            <p:ph type="title"/>
+          </p:nvPr>
+        </p:nvSpPr>
+        <p:spPr/>
+        <p:txBody>
+          <a:bodyPr/>
+          <a:lstStyle/>
+          <a:p>
+            <a:r>
+              <a:rPr lang="en-US" dirty="0" err="1" smtClean="0"/>
+              <a:t>Presentacion</a:t>
+            </a:r>
+            <a:r>
+              <a:rPr lang="en-US" dirty="0"/>
+              <a:t> </a:t>
+            </a:r>
+            <a:r>
+              <a:rPr lang="en-US" dirty="0" err="1" smtClean="0"/>
+              <a:t>Zoho</a:t>
+            </a:r>
+            <a:endParaRPr lang="es-ES" dirty="0"/>
+          </a:p>
+        </p:txBody>
+      </p:sp>
+    </p:spTree>
+    <p:extLst>
+      <p:ext uri="{BB962C8B-B14F-4D97-AF65-F5344CB8AC3E}">
+        <p14:creationId xmlns:p14="http://schemas.microsoft.com/office/powerpoint/2010/main" val="2930633928"/>
+      </p:ext>
+    </p:extLst>
+  </p:cSld>
+  <p:clrMapOvr>
+    <a:masterClrMapping/>
+  </p:clrMapOvr>
+</p:sld>
+</file>
+
+<file path=ppt/slides/slide11.xml><?xml version="1.0" encoding="utf-8"?>
+<p:sld xmlns:a="http://schemas.openxmlformats.org/drawingml/2006/main" xmlns:r="http://schemas.openxmlformats.org/officeDocument/2006/relationships" xmlns:p="http://schemas.openxmlformats.org/presentationml/2006/main">
+  <p:cSld>
+    <p:spTree>
+      <p:nvGrpSpPr>
+        <p:cNvPr id="1" name=""/>
+        <p:cNvGrpSpPr/>
+        <p:nvPr/>
+      </p:nvGrpSpPr>
+      <p:grpSpPr>
+        <a:xfrm>
+          <a:off x="0" y="0"/>
+          <a:ext cx="0" cy="0"/>
+          <a:chOff x="0" y="0"/>
+          <a:chExt cx="0" cy="0"/>
+        </a:xfrm>
+      </p:grpSpPr>
+      <p:pic>
+        <p:nvPicPr>
+          <p:cNvPr id="4" name="3 Marcador de contenido"/>
+          <p:cNvPicPr>
+            <a:picLocks noGrp="1" noChangeAspect="1"/>
+          </p:cNvPicPr>
+          <p:nvPr>
+            <p:ph idx="1"/>
+          </p:nvPr>
+        </p:nvPicPr>
+        <p:blipFill>
+          <a:blip r:embed="rId2">
+            <a:extLst>
+              <a:ext uri="{28A0092B-C50C-407E-A947-70E740481C1C}">
+                <a14:useLocalDpi xmlns:a14="http://schemas.microsoft.com/office/drawing/2010/main" val="0"/>
+              </a:ext>
+            </a:extLst>
+          </a:blip>
+          <a:stretch>
+            <a:fillRect/>
+          </a:stretch>
+        </p:blipFill>
+        <p:spPr>
+          <a:xfrm>
+            <a:off x="1760607" y="2247900"/>
+            <a:ext cx="5622786" cy="3878263"/>
+          </a:xfrm>
+        </p:spPr>
+      </p:pic>
+      <p:sp>
+        <p:nvSpPr>
+          <p:cNvPr id="2" name="1 Título"/>
+          <p:cNvSpPr>
+            <a:spLocks noGrp="1"/>
+          </p:cNvSpPr>
+          <p:nvPr>
+            <p:ph type="title"/>
+          </p:nvPr>
+        </p:nvSpPr>
+        <p:spPr/>
+        <p:txBody>
+          <a:bodyPr>
+            <a:normAutofit fontScale="90000"/>
+          </a:bodyPr>
+          <a:lstStyle/>
+          <a:p>
+            <a:r>
+              <a:rPr lang="en-US" dirty="0" err="1" smtClean="0"/>
+              <a:t>Temas</a:t>
+            </a:r>
+            <a:r>
+              <a:rPr lang="en-US" dirty="0" smtClean="0"/>
+              <a:t> </a:t>
+            </a:r>
+            <a:r>
+              <a:rPr lang="en-US" dirty="0" err="1" smtClean="0"/>
+              <a:t>Presentacion</a:t>
+            </a:r>
+            <a:r>
+              <a:rPr lang="en-US" dirty="0" smtClean="0"/>
+              <a:t> Google Drive</a:t>
+            </a:r>
+            <a:endParaRPr lang="es-ES" dirty="0"/>
+          </a:p>
+        </p:txBody>
+      </p:sp>
+    </p:spTree>
+    <p:extLst>
+      <p:ext uri="{BB962C8B-B14F-4D97-AF65-F5344CB8AC3E}">
+        <p14:creationId xmlns:p14="http://schemas.microsoft.com/office/powerpoint/2010/main" val="3567454560"/>
+      </p:ext>
+    </p:extLst>
+  </p:cSld>
+  <p:clrMapOvr>
+    <a:masterClrMapping/>
+  </p:clrMapOvr>
+</p:sld>
+</file>
+
+<file path=ppt/slides/slide12.xml><?xml version="1.0" encoding="utf-8"?>
+<p:sld xmlns:a="http://schemas.openxmlformats.org/drawingml/2006/main" xmlns:r="http://schemas.openxmlformats.org/officeDocument/2006/relationships" xmlns:p="http://schemas.openxmlformats.org/presentationml/2006/main">
+  <p:cSld>
+    <p:spTree>
+      <p:nvGrpSpPr>
+        <p:cNvPr id="1" name=""/>
+        <p:cNvGrpSpPr/>
+        <p:nvPr/>
+      </p:nvGrpSpPr>
+      <p:grpSpPr>
+        <a:xfrm>
+          <a:off x="0" y="0"/>
+          <a:ext cx="0" cy="0"/>
+          <a:chOff x="0" y="0"/>
+          <a:chExt cx="0" cy="0"/>
+        </a:xfrm>
+      </p:grpSpPr>
+      <p:pic>
+        <p:nvPicPr>
+          <p:cNvPr id="4" name="3 Marcador de contenido"/>
+          <p:cNvPicPr>
+            <a:picLocks noGrp="1" noChangeAspect="1"/>
+          </p:cNvPicPr>
+          <p:nvPr>
+            <p:ph idx="1"/>
+          </p:nvPr>
+        </p:nvPicPr>
+        <p:blipFill>
+          <a:blip r:embed="rId2">
+            <a:extLst>
+              <a:ext uri="{28A0092B-C50C-407E-A947-70E740481C1C}">
+                <a14:useLocalDpi xmlns:a14="http://schemas.microsoft.com/office/drawing/2010/main" val="0"/>
+              </a:ext>
+            </a:extLst>
+          </a:blip>
+          <a:stretch>
+            <a:fillRect/>
+          </a:stretch>
+        </p:blipFill>
+        <p:spPr>
+          <a:xfrm>
+            <a:off x="1110437" y="2247900"/>
+            <a:ext cx="6923125" cy="3878263"/>
+          </a:xfrm>
+        </p:spPr>
+      </p:pic>
+      <p:sp>
+        <p:nvSpPr>
+          <p:cNvPr id="2" name="1 Título"/>
+          <p:cNvSpPr>
+            <a:spLocks noGrp="1"/>
+          </p:cNvSpPr>
+          <p:nvPr>
+            <p:ph type="title"/>
+          </p:nvPr>
+        </p:nvSpPr>
+        <p:spPr/>
+        <p:txBody>
+          <a:bodyPr/>
+          <a:lstStyle/>
+          <a:p>
+            <a:r>
+              <a:rPr lang="en-US" dirty="0" err="1" smtClean="0"/>
+              <a:t>Temas</a:t>
+            </a:r>
+            <a:r>
+              <a:rPr lang="en-US" dirty="0" smtClean="0"/>
+              <a:t> </a:t>
+            </a:r>
+            <a:r>
+              <a:rPr lang="en-US" dirty="0" err="1" smtClean="0"/>
+              <a:t>Presentacion</a:t>
+            </a:r>
+            <a:r>
+              <a:rPr lang="en-US" dirty="0" smtClean="0"/>
+              <a:t> </a:t>
+            </a:r>
+            <a:r>
+              <a:rPr lang="en-US" dirty="0" err="1" smtClean="0"/>
+              <a:t>Zoho</a:t>
+            </a:r>
+            <a:endParaRPr lang="es-ES" dirty="0"/>
+          </a:p>
+        </p:txBody>
+      </p:sp>
+    </p:spTree>
+    <p:extLst>
+      <p:ext uri="{BB962C8B-B14F-4D97-AF65-F5344CB8AC3E}">
+        <p14:creationId xmlns:p14="http://schemas.microsoft.com/office/powerpoint/2010/main" val="1465885264"/>
+      </p:ext>
+    </p:extLst>
+  </p:cSld>
+  <p:clrMapOvr>
+    <a:masterClrMapping/>
+  </p:clrMapOvr>
+</p:sld>
+</file>
+
+<file path=ppt/slides/slide2.xml><?xml version="1.0" encoding="utf-8"?>
+<p:sld xmlns:a="http://schemas.openxmlformats.org/drawingml/2006/main" xmlns:r="http://schemas.openxmlformats.org/officeDocument/2006/relationships" xmlns:p="http://schemas.openxmlformats.org/presentationml/2006/main">
+  <p:cSld>
+    <p:spTree>
+      <p:nvGrpSpPr>
+        <p:cNvPr id="1" name=""/>
+        <p:cNvGrpSpPr/>
+        <p:nvPr/>
+      </p:nvGrpSpPr>
+      <p:grpSpPr>
+        <a:xfrm>
+          <a:off x="0" y="0"/>
+          <a:ext cx="0" cy="0"/>
+          <a:chOff x="0" y="0"/>
+          <a:chExt cx="0" cy="0"/>
+        </a:xfrm>
+      </p:grpSpPr>
+      <p:pic>
+        <p:nvPicPr>
+          <p:cNvPr id="4" name="3 Marcador de contenido"/>
+          <p:cNvPicPr>
+            <a:picLocks noGrp="1" noChangeAspect="1"/>
+          </p:cNvPicPr>
+          <p:nvPr>
+            <p:ph idx="1"/>
+          </p:nvPr>
+        </p:nvPicPr>
+        <p:blipFill>
+          <a:blip r:embed="rId2">
+            <a:extLst>
+              <a:ext uri="{28A0092B-C50C-407E-A947-70E740481C1C}">
+                <a14:useLocalDpi xmlns:a14="http://schemas.microsoft.com/office/drawing/2010/main" val="0"/>
+              </a:ext>
+            </a:extLst>
+          </a:blip>
+          <a:stretch>
+            <a:fillRect/>
+          </a:stretch>
+        </p:blipFill>
+        <p:spPr>
+          <a:xfrm>
+            <a:off x="1122972" y="2247900"/>
+            <a:ext cx="6898056" cy="3878263"/>
+          </a:xfrm>
+        </p:spPr>
+      </p:pic>
+      <p:sp>
+        <p:nvSpPr>
+          <p:cNvPr id="2" name="1 Título"/>
+          <p:cNvSpPr>
+            <a:spLocks noGrp="1"/>
+          </p:cNvSpPr>
+          <p:nvPr>
+            <p:ph type="title"/>
+          </p:nvPr>
+        </p:nvSpPr>
+        <p:spPr/>
+        <p:txBody>
+          <a:bodyPr/>
+          <a:lstStyle/>
+          <a:p>
+            <a:r>
+              <a:rPr lang="en-US" dirty="0" smtClean="0"/>
+              <a:t>Menu Google Drive</a:t>
+            </a:r>
+            <a:endParaRPr lang="es-ES" dirty="0"/>
+          </a:p>
+        </p:txBody>
+      </p:sp>
+    </p:spTree>
+    <p:extLst>
+      <p:ext uri="{BB962C8B-B14F-4D97-AF65-F5344CB8AC3E}">
+        <p14:creationId xmlns:p14="http://schemas.microsoft.com/office/powerpoint/2010/main" val="1297525358"/>
+      </p:ext>
+    </p:extLst>
+  </p:cSld>
+  <p:clrMapOvr>
+    <a:masterClrMapping/>
+  </p:clrMapOvr>
+</p:sld>
+</file>
+
+<file path=ppt/slides/slide3.xml><?xml version="1.0" encoding="utf-8"?>
+<p:sld xmlns:a="http://schemas.openxmlformats.org/drawingml/2006/main" xmlns:r="http://schemas.openxmlformats.org/officeDocument/2006/relationships" xmlns:p="http://schemas.openxmlformats.org/presentationml/2006/main">
+  <p:cSld>
+    <p:spTree>
+      <p:nvGrpSpPr>
+        <p:cNvPr id="1" name=""/>
+        <p:cNvGrpSpPr/>
+        <p:nvPr/>
+      </p:nvGrpSpPr>
+      <p:grpSpPr>
+        <a:xfrm>
+          <a:off x="0" y="0"/>
+          <a:ext cx="0" cy="0"/>
+          <a:chOff x="0" y="0"/>
+          <a:chExt cx="0" cy="0"/>
+        </a:xfrm>
+      </p:grpSpPr>
+      <p:pic>
+        <p:nvPicPr>
+          <p:cNvPr id="4" name="3 Marcador de contenido"/>
+          <p:cNvPicPr>
+            <a:picLocks noGrp="1" noChangeAspect="1"/>
+          </p:cNvPicPr>
+          <p:nvPr>
+            <p:ph idx="1"/>
+          </p:nvPr>
+        </p:nvPicPr>
+        <p:blipFill>
+          <a:blip r:embed="rId2">
+            <a:extLst>
+              <a:ext uri="{28A0092B-C50C-407E-A947-70E740481C1C}">
+                <a14:useLocalDpi xmlns:a14="http://schemas.microsoft.com/office/drawing/2010/main" val="0"/>
+              </a:ext>
+            </a:extLst>
+          </a:blip>
+          <a:stretch>
+            <a:fillRect/>
+          </a:stretch>
+        </p:blipFill>
+        <p:spPr>
+          <a:xfrm>
+            <a:off x="698500" y="2251709"/>
+            <a:ext cx="7747000" cy="3870645"/>
+          </a:xfrm>
+        </p:spPr>
+      </p:pic>
+      <p:sp>
+        <p:nvSpPr>
+          <p:cNvPr id="2" name="1 Título"/>
+          <p:cNvSpPr>
+            <a:spLocks noGrp="1"/>
+          </p:cNvSpPr>
+          <p:nvPr>
+            <p:ph type="title"/>
+          </p:nvPr>
+        </p:nvSpPr>
+        <p:spPr/>
+        <p:txBody>
+          <a:bodyPr/>
+          <a:lstStyle/>
+          <a:p>
+            <a:r>
+              <a:rPr lang="en-US" dirty="0" err="1" smtClean="0"/>
+              <a:t>Procesador</a:t>
+            </a:r>
+            <a:r>
+              <a:rPr lang="en-US" dirty="0" smtClean="0"/>
+              <a:t> </a:t>
+            </a:r>
+            <a:r>
+              <a:rPr lang="en-US" dirty="0" err="1" smtClean="0"/>
+              <a:t>Texto</a:t>
+            </a:r>
+            <a:r>
+              <a:rPr lang="en-US" dirty="0" smtClean="0"/>
+              <a:t> Google Drive</a:t>
+            </a:r>
+            <a:endParaRPr lang="es-ES" dirty="0"/>
+          </a:p>
+        </p:txBody>
+      </p:sp>
+    </p:spTree>
+    <p:extLst>
+      <p:ext uri="{BB962C8B-B14F-4D97-AF65-F5344CB8AC3E}">
+        <p14:creationId xmlns:p14="http://schemas.microsoft.com/office/powerpoint/2010/main" val="4146349959"/>
+      </p:ext>
+    </p:extLst>
+  </p:cSld>
+  <p:clrMapOvr>
+    <a:masterClrMapping/>
+  </p:clrMapOvr>
+</p:sld>
+</file>
+
+<file path=ppt/slides/slide4.xml><?xml version="1.0" encoding="utf-8"?>
+<p:sld xmlns:a="http://schemas.openxmlformats.org/drawingml/2006/main" xmlns:r="http://schemas.openxmlformats.org/officeDocument/2006/relationships" xmlns:p="http://schemas.openxmlformats.org/presentationml/2006/main">
+  <p:cSld>
+    <p:spTree>
+      <p:nvGrpSpPr>
+        <p:cNvPr id="1" name=""/>
+        <p:cNvGrpSpPr/>
+        <p:nvPr/>
+      </p:nvGrpSpPr>
+      <p:grpSpPr>
+        <a:xfrm>
+          <a:off x="0" y="0"/>
+          <a:ext cx="0" cy="0"/>
+          <a:chOff x="0" y="0"/>
+          <a:chExt cx="0" cy="0"/>
+        </a:xfrm>
+      </p:grpSpPr>
+      <p:pic>
+        <p:nvPicPr>
+          <p:cNvPr id="4" name="3 Marcador de contenido"/>
+          <p:cNvPicPr>
+            <a:picLocks noGrp="1" noChangeAspect="1"/>
+          </p:cNvPicPr>
+          <p:nvPr>
+            <p:ph idx="1"/>
+          </p:nvPr>
+        </p:nvPicPr>
+        <p:blipFill>
+          <a:blip r:embed="rId2">
+            <a:extLst>
+              <a:ext uri="{28A0092B-C50C-407E-A947-70E740481C1C}">
+                <a14:useLocalDpi xmlns:a14="http://schemas.microsoft.com/office/drawing/2010/main" val="0"/>
+              </a:ext>
+            </a:extLst>
+          </a:blip>
+          <a:stretch>
+            <a:fillRect/>
+          </a:stretch>
+        </p:blipFill>
+        <p:spPr>
+          <a:xfrm>
+            <a:off x="698500" y="2270189"/>
+            <a:ext cx="7747000" cy="3833684"/>
+          </a:xfrm>
+        </p:spPr>
+      </p:pic>
+      <p:sp>
+        <p:nvSpPr>
+          <p:cNvPr id="2" name="1 Título"/>
+          <p:cNvSpPr>
+            <a:spLocks noGrp="1"/>
+          </p:cNvSpPr>
+          <p:nvPr>
+            <p:ph type="title"/>
+          </p:nvPr>
+        </p:nvSpPr>
+        <p:spPr/>
+        <p:txBody>
+          <a:bodyPr/>
+          <a:lstStyle/>
+          <a:p>
+            <a:r>
+              <a:rPr lang="en-US" dirty="0" err="1" smtClean="0"/>
+              <a:t>Hoja</a:t>
+            </a:r>
+            <a:r>
+              <a:rPr lang="en-US" dirty="0" smtClean="0"/>
+              <a:t> </a:t>
+            </a:r>
+            <a:r>
+              <a:rPr lang="en-US" dirty="0" err="1" smtClean="0"/>
+              <a:t>Calculo</a:t>
+            </a:r>
+            <a:r>
+              <a:rPr lang="en-US" dirty="0" smtClean="0"/>
+              <a:t> Google Drive</a:t>
+            </a:r>
+            <a:endParaRPr lang="es-ES" dirty="0"/>
+          </a:p>
+        </p:txBody>
+      </p:sp>
+    </p:spTree>
+    <p:extLst>
+      <p:ext uri="{BB962C8B-B14F-4D97-AF65-F5344CB8AC3E}">
+        <p14:creationId xmlns:p14="http://schemas.microsoft.com/office/powerpoint/2010/main" val="3517478502"/>
+      </p:ext>
+    </p:extLst>
+  </p:cSld>
+  <p:clrMapOvr>
+    <a:masterClrMapping/>
+  </p:clrMapOvr>
+</p:sld>
+</file>
+
+<file path=ppt/slides/slide5.xml><?xml version="1.0" encoding="utf-8"?>
+<p:sld xmlns:a="http://schemas.openxmlformats.org/drawingml/2006/main" xmlns:r="http://schemas.openxmlformats.org/officeDocument/2006/relationships" xmlns:p="http://schemas.openxmlformats.org/presentationml/2006/main">
+  <p:cSld>
+    <p:spTree>
+      <p:nvGrpSpPr>
+        <p:cNvPr id="1" name=""/>
+        <p:cNvGrpSpPr/>
+        <p:nvPr/>
+      </p:nvGrpSpPr>
+      <p:grpSpPr>
+        <a:xfrm>
+          <a:off x="0" y="0"/>
+          <a:ext cx="0" cy="0"/>
+          <a:chOff x="0" y="0"/>
+          <a:chExt cx="0" cy="0"/>
+        </a:xfrm>
+      </p:grpSpPr>
+      <p:pic>
+        <p:nvPicPr>
+          <p:cNvPr id="4" name="3 Marcador de contenido"/>
+          <p:cNvPicPr>
+            <a:picLocks noGrp="1" noChangeAspect="1"/>
+          </p:cNvPicPr>
+          <p:nvPr>
+            <p:ph idx="1"/>
+          </p:nvPr>
+        </p:nvPicPr>
+        <p:blipFill>
+          <a:blip r:embed="rId2">
+            <a:extLst>
+              <a:ext uri="{28A0092B-C50C-407E-A947-70E740481C1C}">
+                <a14:useLocalDpi xmlns:a14="http://schemas.microsoft.com/office/drawing/2010/main" val="0"/>
+              </a:ext>
+            </a:extLst>
+          </a:blip>
+          <a:stretch>
+            <a:fillRect/>
+          </a:stretch>
+        </p:blipFill>
+        <p:spPr>
+          <a:xfrm>
+            <a:off x="251520" y="1795200"/>
+            <a:ext cx="8435280" cy="4946168"/>
+          </a:xfrm>
+        </p:spPr>
+      </p:pic>
+      <p:sp>
+        <p:nvSpPr>
+          <p:cNvPr id="2" name="1 Título"/>
+          <p:cNvSpPr>
+            <a:spLocks noGrp="1"/>
+          </p:cNvSpPr>
+          <p:nvPr>
+            <p:ph type="title"/>
+          </p:nvPr>
+        </p:nvSpPr>
+        <p:spPr/>
+        <p:txBody>
+          <a:bodyPr/>
+          <a:lstStyle/>
+          <a:p>
+            <a:r>
+              <a:rPr lang="en-US" dirty="0" err="1" smtClean="0"/>
+              <a:t>Presentaciones</a:t>
+            </a:r>
+            <a:r>
+              <a:rPr lang="en-US" dirty="0" smtClean="0"/>
+              <a:t> Google Drive</a:t>
+            </a:r>
+            <a:endParaRPr lang="es-ES" dirty="0"/>
+          </a:p>
+        </p:txBody>
+      </p:sp>
+    </p:spTree>
+    <p:extLst>
+      <p:ext uri="{BB962C8B-B14F-4D97-AF65-F5344CB8AC3E}">
+        <p14:creationId xmlns:p14="http://schemas.microsoft.com/office/powerpoint/2010/main" val="2255287467"/>
+      </p:ext>
+    </p:extLst>
+  </p:cSld>
+  <p:clrMapOvr>
+    <a:masterClrMapping/>
+  </p:clrMapOvr>
+</p:sld>
+</file>
+
+<file path=ppt/slides/slide6.xml><?xml version="1.0" encoding="utf-8"?>
+<p:sld xmlns:a="http://schemas.openxmlformats.org/drawingml/2006/main" xmlns:r="http://schemas.openxmlformats.org/officeDocument/2006/relationships" xmlns:p="http://schemas.openxmlformats.org/presentationml/2006/main">
+  <p:cSld>
+    <p:spTree>
+      <p:nvGrpSpPr>
+        <p:cNvPr id="1" name=""/>
+        <p:cNvGrpSpPr/>
+        <p:nvPr/>
+      </p:nvGrpSpPr>
+      <p:grpSpPr>
+        <a:xfrm>
+          <a:off x="0" y="0"/>
+          <a:ext cx="0" cy="0"/>
+          <a:chOff x="0" y="0"/>
+          <a:chExt cx="0" cy="0"/>
+        </a:xfrm>
+      </p:grpSpPr>
+      <p:pic>
+        <p:nvPicPr>
+          <p:cNvPr id="4" name="3 Marcador de contenido"/>
+          <p:cNvPicPr>
+            <a:picLocks noGrp="1" noChangeAspect="1"/>
+          </p:cNvPicPr>
+          <p:nvPr>
+            <p:ph idx="1"/>
+          </p:nvPr>
+        </p:nvPicPr>
+        <p:blipFill>
+          <a:blip r:embed="rId2">
+            <a:extLst>
+              <a:ext uri="{28A0092B-C50C-407E-A947-70E740481C1C}">
+                <a14:useLocalDpi xmlns:a14="http://schemas.microsoft.com/office/drawing/2010/main" val="0"/>
+              </a:ext>
+            </a:extLst>
+          </a:blip>
+          <a:stretch>
+            <a:fillRect/>
+          </a:stretch>
+        </p:blipFill>
+        <p:spPr>
+          <a:xfrm>
+            <a:off x="179512" y="1340768"/>
+            <a:ext cx="8784976" cy="5040560"/>
+          </a:xfrm>
+        </p:spPr>
+      </p:pic>
+      <p:sp>
+        <p:nvSpPr>
+          <p:cNvPr id="2" name="1 Título"/>
+          <p:cNvSpPr>
+            <a:spLocks noGrp="1"/>
+          </p:cNvSpPr>
+          <p:nvPr>
+            <p:ph type="title"/>
+          </p:nvPr>
+        </p:nvSpPr>
+        <p:spPr/>
+        <p:txBody>
+          <a:bodyPr/>
+          <a:lstStyle/>
+          <a:p>
+            <a:r>
+              <a:rPr lang="en-US" dirty="0" err="1" smtClean="0"/>
+              <a:t>Zoho</a:t>
+            </a:r>
+            <a:r>
+              <a:rPr lang="en-US" dirty="0" smtClean="0"/>
+              <a:t> Docs</a:t>
+            </a:r>
+            <a:endParaRPr lang="es-ES" dirty="0"/>
+          </a:p>
+        </p:txBody>
+      </p:sp>
+    </p:spTree>
+    <p:extLst>
+      <p:ext uri="{BB962C8B-B14F-4D97-AF65-F5344CB8AC3E}">
+        <p14:creationId xmlns:p14="http://schemas.microsoft.com/office/powerpoint/2010/main" val="2782111250"/>
+      </p:ext>
+    </p:extLst>
+  </p:cSld>
+  <p:clrMapOvr>
+    <a:masterClrMapping/>
+  </p:clrMapOvr>
+</p:sld>
+</file>
+
+<file path=ppt/slides/slide7.xml><?xml version="1.0" encoding="utf-8"?>
+<p:sld xmlns:a="http://schemas.openxmlformats.org/drawingml/2006/main" xmlns:r="http://schemas.openxmlformats.org/officeDocument/2006/relationships" xmlns:p="http://schemas.openxmlformats.org/presentationml/2006/main">
+  <p:cSld>
+    <p:spTree>
+      <p:nvGrpSpPr>
+        <p:cNvPr id="1" name=""/>
+        <p:cNvGrpSpPr/>
+        <p:nvPr/>
+      </p:nvGrpSpPr>
+      <p:grpSpPr>
+        <a:xfrm>
+          <a:off x="0" y="0"/>
+          <a:ext cx="0" cy="0"/>
+          <a:chOff x="0" y="0"/>
+          <a:chExt cx="0" cy="0"/>
+        </a:xfrm>
+      </p:grpSpPr>
+      <p:pic>
+        <p:nvPicPr>
+          <p:cNvPr id="4" name="3 Marcador de contenido"/>
+          <p:cNvPicPr>
+            <a:picLocks noGrp="1" noChangeAspect="1"/>
+          </p:cNvPicPr>
+          <p:nvPr>
+            <p:ph idx="1"/>
+          </p:nvPr>
+        </p:nvPicPr>
+        <p:blipFill>
+          <a:blip r:embed="rId2">
+            <a:extLst>
+              <a:ext uri="{28A0092B-C50C-407E-A947-70E740481C1C}">
+                <a14:useLocalDpi xmlns:a14="http://schemas.microsoft.com/office/drawing/2010/main" val="0"/>
+              </a:ext>
+            </a:extLst>
+          </a:blip>
+          <a:stretch>
+            <a:fillRect/>
+          </a:stretch>
+        </p:blipFill>
+        <p:spPr>
+          <a:xfrm>
+            <a:off x="1122972" y="2247900"/>
+            <a:ext cx="6898056" cy="3878263"/>
+          </a:xfrm>
+        </p:spPr>
+      </p:pic>
+      <p:sp>
+        <p:nvSpPr>
+          <p:cNvPr id="2" name="1 Título"/>
+          <p:cNvSpPr>
+            <a:spLocks noGrp="1"/>
+          </p:cNvSpPr>
+          <p:nvPr>
+            <p:ph type="title"/>
+          </p:nvPr>
+        </p:nvSpPr>
+        <p:spPr/>
+        <p:txBody>
+          <a:bodyPr/>
+          <a:lstStyle/>
+          <a:p>
+            <a:r>
+              <a:rPr lang="en-US" dirty="0" smtClean="0"/>
+              <a:t>Menu </a:t>
+            </a:r>
+            <a:r>
+              <a:rPr lang="en-US" dirty="0" err="1" smtClean="0"/>
+              <a:t>Zoho</a:t>
+            </a:r>
+            <a:r>
+              <a:rPr lang="en-US" dirty="0" smtClean="0"/>
+              <a:t> Docs</a:t>
+            </a:r>
+            <a:endParaRPr lang="es-ES" dirty="0"/>
+          </a:p>
+        </p:txBody>
+      </p:sp>
+    </p:spTree>
+    <p:extLst>
+      <p:ext uri="{BB962C8B-B14F-4D97-AF65-F5344CB8AC3E}">
+        <p14:creationId xmlns:p14="http://schemas.microsoft.com/office/powerpoint/2010/main" val="3413662758"/>
+      </p:ext>
+    </p:extLst>
+  </p:cSld>
+  <p:clrMapOvr>
+    <a:masterClrMapping/>
+  </p:clrMapOvr>
+</p:sld>
+</file>
+
+<file path=ppt/slides/slide8.xml><?xml version="1.0" encoding="utf-8"?>
+<p:sld xmlns:a="http://schemas.openxmlformats.org/drawingml/2006/main" xmlns:r="http://schemas.openxmlformats.org/officeDocument/2006/relationships" xmlns:p="http://schemas.openxmlformats.org/presentationml/2006/main">
+  <p:cSld>
+    <p:spTree>
+      <p:nvGrpSpPr>
+        <p:cNvPr id="1" name=""/>
+        <p:cNvGrpSpPr/>
+        <p:nvPr/>
+      </p:nvGrpSpPr>
+      <p:grpSpPr>
+        <a:xfrm>
+          <a:off x="0" y="0"/>
+          <a:ext cx="0" cy="0"/>
+          <a:chOff x="0" y="0"/>
+          <a:chExt cx="0" cy="0"/>
+        </a:xfrm>
+      </p:grpSpPr>
+      <p:pic>
+        <p:nvPicPr>
+          <p:cNvPr id="4" name="3 Marcador de contenido"/>
+          <p:cNvPicPr>
+            <a:picLocks noGrp="1" noChangeAspect="1"/>
+          </p:cNvPicPr>
+          <p:nvPr>
+            <p:ph idx="1"/>
+          </p:nvPr>
+        </p:nvPicPr>
+        <p:blipFill>
+          <a:blip r:embed="rId2">
+            <a:extLst>
+              <a:ext uri="{28A0092B-C50C-407E-A947-70E740481C1C}">
+                <a14:useLocalDpi xmlns:a14="http://schemas.microsoft.com/office/drawing/2010/main" val="0"/>
+              </a:ext>
+            </a:extLst>
+          </a:blip>
+          <a:stretch>
+            <a:fillRect/>
+          </a:stretch>
+        </p:blipFill>
+        <p:spPr>
+          <a:xfrm>
+            <a:off x="724741" y="2247900"/>
+            <a:ext cx="7694518" cy="3878263"/>
+          </a:xfrm>
+        </p:spPr>
+      </p:pic>
+      <p:sp>
+        <p:nvSpPr>
+          <p:cNvPr id="2" name="1 Título"/>
+          <p:cNvSpPr>
+            <a:spLocks noGrp="1"/>
+          </p:cNvSpPr>
+          <p:nvPr>
+            <p:ph type="title"/>
+          </p:nvPr>
+        </p:nvSpPr>
+        <p:spPr/>
+        <p:txBody>
+          <a:bodyPr/>
+          <a:lstStyle/>
+          <a:p>
+            <a:r>
+              <a:rPr lang="en-US" dirty="0" err="1" smtClean="0"/>
+              <a:t>Procesador</a:t>
+            </a:r>
+            <a:r>
+              <a:rPr lang="en-US" dirty="0" smtClean="0"/>
+              <a:t> </a:t>
+            </a:r>
+            <a:r>
+              <a:rPr lang="en-US" dirty="0" err="1" smtClean="0"/>
+              <a:t>Texto</a:t>
+            </a:r>
+            <a:r>
+              <a:rPr lang="en-US" dirty="0" smtClean="0"/>
+              <a:t> </a:t>
+            </a:r>
+            <a:r>
+              <a:rPr lang="en-US" dirty="0" err="1" smtClean="0"/>
+              <a:t>Zoho</a:t>
+            </a:r>
+            <a:endParaRPr lang="es-ES" dirty="0"/>
+          </a:p>
+        </p:txBody>
+      </p:sp>
+    </p:spTree>
+    <p:extLst>
+      <p:ext uri="{BB962C8B-B14F-4D97-AF65-F5344CB8AC3E}">
+        <p14:creationId xmlns:p14="http://schemas.microsoft.com/office/powerpoint/2010/main" val="3280175594"/>
+      </p:ext>
+    </p:extLst>
+  </p:cSld>
+  <p:clrMapOvr>
+    <a:masterClrMapping/>
+  </p:clrMapOvr>
+</p:sld>
+</file>
+
+<file path=ppt/slides/slide9.xml><?xml version="1.0" encoding="utf-8"?>
+<p:sld xmlns:a="http://schemas.openxmlformats.org/drawingml/2006/main" xmlns:r="http://schemas.openxmlformats.org/officeDocument/2006/relationships" xmlns:p="http://schemas.openxmlformats.org/presentationml/2006/main">
+  <p:cSld>
+    <p:spTree>
+      <p:nvGrpSpPr>
+        <p:cNvPr id="1" name=""/>
+        <p:cNvGrpSpPr/>
+        <p:nvPr/>
+      </p:nvGrpSpPr>
+      <p:grpSpPr>
+        <a:xfrm>
+          <a:off x="0" y="0"/>
+          <a:ext cx="0" cy="0"/>
+          <a:chOff x="0" y="0"/>
+          <a:chExt cx="0" cy="0"/>
+        </a:xfrm>
+      </p:grpSpPr>
+      <p:pic>
+        <p:nvPicPr>
+          <p:cNvPr id="4" name="3 Marcador de contenido"/>
+          <p:cNvPicPr>
+            <a:picLocks noGrp="1" noChangeAspect="1"/>
+          </p:cNvPicPr>
+          <p:nvPr>
+            <p:ph idx="1"/>
+          </p:nvPr>
+        </p:nvPicPr>
+        <p:blipFill>
+          <a:blip r:embed="rId2">
+            <a:extLst>
+              <a:ext uri="{28A0092B-C50C-407E-A947-70E740481C1C}">
+                <a14:useLocalDpi xmlns:a14="http://schemas.microsoft.com/office/drawing/2010/main" val="0"/>
+              </a:ext>
+            </a:extLst>
+          </a:blip>
+          <a:stretch>
+            <a:fillRect/>
+          </a:stretch>
+        </p:blipFill>
+        <p:spPr>
+          <a:xfrm>
+            <a:off x="699440" y="2247900"/>
+            <a:ext cx="7745119" cy="3878263"/>
+          </a:xfrm>
+        </p:spPr>
+      </p:pic>
+      <p:sp>
+        <p:nvSpPr>
+          <p:cNvPr id="2" name="1 Título"/>
+          <p:cNvSpPr>
+            <a:spLocks noGrp="1"/>
+          </p:cNvSpPr>
+          <p:nvPr>
+            <p:ph type="title"/>
+          </p:nvPr>
+        </p:nvSpPr>
+        <p:spPr/>
+        <p:txBody>
+          <a:bodyPr/>
+          <a:lstStyle/>
+          <a:p>
+            <a:r>
+              <a:rPr lang="en-US" dirty="0" err="1" smtClean="0"/>
+              <a:t>Hoja</a:t>
+            </a:r>
+            <a:r>
+              <a:rPr lang="en-US" dirty="0" smtClean="0"/>
+              <a:t> </a:t>
+            </a:r>
+            <a:r>
+              <a:rPr lang="en-US" dirty="0" err="1" smtClean="0"/>
+              <a:t>Calculo</a:t>
+            </a:r>
+            <a:r>
+              <a:rPr lang="en-US" dirty="0" smtClean="0"/>
+              <a:t> </a:t>
+            </a:r>
+            <a:r>
+              <a:rPr lang="en-US" dirty="0" err="1" smtClean="0"/>
+              <a:t>Zoho</a:t>
+            </a:r>
+            <a:endParaRPr lang="es-ES" dirty="0"/>
+          </a:p>
+        </p:txBody>
+      </p:sp>
+    </p:spTree>
+    <p:extLst>
+      <p:ext uri="{BB962C8B-B14F-4D97-AF65-F5344CB8AC3E}">
+        <p14:creationId xmlns:p14="http://schemas.microsoft.com/office/powerpoint/2010/main" val="719832401"/>
+      </p:ext>
+    </p:extLst>
+  </p:cSld>
+  <p:clrMapOvr>
+    <a:masterClrMapping/>
+  </p:clrMapOvr>
+</p:sld>
+</file>
+
 <file path=ppt/theme/theme1.xml><?xml version="1.0" encoding="utf-8"?>
-<a:theme xmlns:a="http://schemas.openxmlformats.org/drawingml/2006/main" name="Tema de Office">
+<a:theme xmlns:a="http://schemas.openxmlformats.org/drawingml/2006/main" name="Cartoné">
   <a:themeElements>
-    <a:clrScheme name="Oficina">
+    <a:clrScheme name="Cartoné">
       <a:dk1>
         <a:sysClr val="windowText" lastClr="000000"/>
       </a:dk1>
@@ -3026,48 +5555,87 @@
         <a:sysClr val="window" lastClr="FFFFFF"/>
       </a:lt1>
       <a:dk2>
-        <a:srgbClr val="1F497D"/>
+        <a:srgbClr val="895D1D"/>
       </a:dk2>
       <a:lt2>
-        <a:srgbClr val="EEECE1"/>
+        <a:srgbClr val="ECE9C6"/>
       </a:lt2>
       <a:accent1>
-        <a:srgbClr val="4F81BD"/>
+        <a:srgbClr val="873624"/>
       </a:accent1>
       <a:accent2>
-        <a:srgbClr val="C0504D"/>
+        <a:srgbClr val="D6862D"/>
       </a:accent2>
       <a:accent3>
-        <a:srgbClr val="9BBB59"/>
+        <a:srgbClr val="D0BE40"/>
       </a:accent3>
       <a:accent4>
-        <a:srgbClr val="8064A2"/>
+        <a:srgbClr val="877F6C"/>
       </a:accent4>
       <a:accent5>
-        <a:srgbClr val="4BACC6"/>
+        <a:srgbClr val="972109"/>
       </a:accent5>
       <a:accent6>
-        <a:srgbClr val="F79646"/>
+        <a:srgbClr val="AEB795"/>
       </a:accent6>
       <a:hlink>
-        <a:srgbClr val="0000FF"/>
+        <a:srgbClr val="CC9900"/>
       </a:hlink>
       <a:folHlink>
-        <a:srgbClr val="800080"/>
+        <a:srgbClr val="B2B2B2"/>
       </a:folHlink>
     </a:clrScheme>
-    <a:fontScheme name="Oficina">
+    <a:fontScheme name="Cartoné">
       <a:majorFont>
-        <a:latin typeface="Calibri"/>
+        <a:latin typeface="Book Antiqua"/>
         <a:ea typeface=""/>
         <a:cs typeface=""/>
-        <a:font script="Jpan" typeface="ＭＳ Ｐゴシック"/>
-        <a:font script="Hang" typeface="맑은 고딕"/>
+        <a:font script="Grek" typeface="Times New Roman"/>
+        <a:font script="Cyrl" typeface="Times New Roman"/>
+        <a:font script="Jpan" typeface="HGS明朝E"/>
+        <a:font script="Hang" typeface="궁서"/>
         <a:font script="Hans" typeface="宋体"/>
         <a:font script="Hant" typeface="新細明體"/>
         <a:font script="Arab" typeface="Times New Roman"/>
         <a:font script="Hebr" typeface="Times New Roman"/>
         <a:font script="Thai" typeface="Angsana New"/>
+        <a:font script="Ethi" typeface="Nyala"/>
+        <a:font script="Beng" typeface="Vrinda"/>
+        <a:font script="Gujr" typeface="Shruti"/>
+        <a:font script="Khmr" typeface="DaunPenh"/>
+        <a:font script="Knda" typeface="Tunga"/>
+        <a:font script="Guru" typeface="Raavi"/>
+        <a:font script="Cans" typeface="Euphemia"/>
+        <a:font script="Cher" typeface="Plantagenet Cherokee"/>
+        <a:font script="Yiii" typeface="Microsoft Yi Baiti"/>
+        <a:font script="Tibt" typeface="Microsoft Himalaya"/>
+        <a:font script="Thaa" typeface="MV Boli"/>
+        <a:font script="Deva" typeface="Mangal"/>
+        <a:font script="Telu" typeface="Gautami"/>
+        <a:font script="Taml" typeface="Latha"/>
+        <a:font script="Syrc" typeface="Estrangelo Edessa"/>
+        <a:font script="Orya" typeface="Kalinga"/>
+        <a:font script="Mlym" typeface="Kartika"/>
+        <a:font script="Laoo" typeface="DokChampa"/>
+        <a:font script="Sinh" typeface="Iskoola Pota"/>
+        <a:font script="Mong" typeface="Mongolian Baiti"/>
+        <a:font script="Viet" typeface="Times New Roman"/>
+        <a:font script="Uigh" typeface="Microsoft Uighur"/>
+        <a:font script="Geor" typeface="Sylfaen"/>
+      </a:majorFont>
+      <a:minorFont>
+        <a:latin typeface="Book Antiqua"/>
+        <a:ea typeface=""/>
+        <a:cs typeface=""/>
+        <a:font script="Grek" typeface="Times New Roman"/>
+        <a:font script="Cyrl" typeface="Times New Roman"/>
+        <a:font script="Jpan" typeface="HGS明朝E"/>
+        <a:font script="Hang" typeface="돋움"/>
+        <a:font script="Hans" typeface="宋体"/>
+        <a:font script="Hant" typeface="新細明體"/>
+        <a:font script="Arab" typeface="Times New Roman"/>
+        <a:font script="Hebr" typeface="David"/>
+        <a:font script="Thai" typeface="EucrosiaUPC"/>
         <a:font script="Ethi" typeface="Nyala"/>
         <a:font script="Beng" typeface="Vrinda"/>
         <a:font script="Gujr" typeface="Shruti"/>
@@ -3090,100 +5658,55 @@
         <a:font script="Mong" typeface="Mongolian Baiti"/>
         <a:font script="Viet" typeface="Times New Roman"/>
         <a:font script="Uigh" typeface="Microsoft Uighur"/>
-      </a:majorFont>
-      <a:minorFont>
-        <a:latin typeface="Calibri"/>
-        <a:ea typeface=""/>
-        <a:cs typeface=""/>
-        <a:font script="Jpan" typeface="ＭＳ Ｐゴシック"/>
-        <a:font script="Hang" typeface="맑은 고딕"/>
-        <a:font script="Hans" typeface="宋体"/>
-        <a:font script="Hant" typeface="新細明體"/>
-        <a:font script="Arab" typeface="Arial"/>
-        <a:font script="Hebr" typeface="Arial"/>
-        <a:font script="Thai" typeface="Cordia New"/>
-        <a:font script="Ethi" typeface="Nyala"/>
-        <a:font script="Beng" typeface="Vrinda"/>
-        <a:font script="Gujr" typeface="Shruti"/>
-        <a:font script="Khmr" typeface="DaunPenh"/>
-        <a:font script="Knda" typeface="Tunga"/>
-        <a:font script="Guru" typeface="Raavi"/>
-        <a:font script="Cans" typeface="Euphemia"/>
-        <a:font script="Cher" typeface="Plantagenet Cherokee"/>
-        <a:font script="Yiii" typeface="Microsoft Yi Baiti"/>
-        <a:font script="Tibt" typeface="Microsoft Himalaya"/>
-        <a:font script="Thaa" typeface="MV Boli"/>
-        <a:font script="Deva" typeface="Mangal"/>
-        <a:font script="Telu" typeface="Gautami"/>
-        <a:font script="Taml" typeface="Latha"/>
-        <a:font script="Syrc" typeface="Estrangelo Edessa"/>
-        <a:font script="Orya" typeface="Kalinga"/>
-        <a:font script="Mlym" typeface="Kartika"/>
-        <a:font script="Laoo" typeface="DokChampa"/>
-        <a:font script="Sinh" typeface="Iskoola Pota"/>
-        <a:font script="Mong" typeface="Mongolian Baiti"/>
-        <a:font script="Viet" typeface="Arial"/>
-        <a:font script="Uigh" typeface="Microsoft Uighur"/>
+        <a:font script="Geor" typeface="Sylfaen"/>
       </a:minorFont>
     </a:fontScheme>
-    <a:fmtScheme name="Oficina">
+    <a:fmtScheme name="Cartoné">
       <a:fillStyleLst>
         <a:solidFill>
           <a:schemeClr val="phClr"/>
+        </a:solidFill>
+        <a:solidFill>
+          <a:schemeClr val="phClr">
+            <a:tint val="68000"/>
+            <a:shade val="94000"/>
+            <a:satMod val="300000"/>
+            <a:lumMod val="110000"/>
+          </a:schemeClr>
         </a:solidFill>
         <a:gradFill rotWithShape="1">
           <a:gsLst>
             <a:gs pos="0">
               <a:schemeClr val="phClr">
-                <a:tint val="50000"/>
-                <a:satMod val="300000"/>
-              </a:schemeClr>
-            </a:gs>
-            <a:gs pos="35000">
-              <a:schemeClr val="phClr">
-                <a:tint val="37000"/>
-                <a:satMod val="300000"/>
+                <a:tint val="94000"/>
+                <a:satMod val="180000"/>
+                <a:lumMod val="98000"/>
               </a:schemeClr>
             </a:gs>
             <a:gs pos="100000">
               <a:schemeClr val="phClr">
-                <a:tint val="15000"/>
-                <a:satMod val="350000"/>
+                <a:satMod val="130000"/>
               </a:schemeClr>
             </a:gs>
           </a:gsLst>
-          <a:lin ang="16200000" scaled="1"/>
-        </a:gradFill>
-        <a:gradFill rotWithShape="1">
-          <a:gsLst>
-            <a:gs pos="0">
-              <a:schemeClr val="phClr">
-                <a:shade val="51000"/>
-                <a:satMod val="130000"/>
-              </a:schemeClr>
-            </a:gs>
-            <a:gs pos="80000">
-              <a:schemeClr val="phClr">
-                <a:shade val="93000"/>
-                <a:satMod val="130000"/>
-              </a:schemeClr>
-            </a:gs>
-            <a:gs pos="100000">
-              <a:schemeClr val="phClr">
-                <a:shade val="94000"/>
-                <a:satMod val="135000"/>
-              </a:schemeClr>
-            </a:gs>
-          </a:gsLst>
-          <a:lin ang="16200000" scaled="0"/>
+          <a:lin ang="5160000" scaled="0"/>
         </a:gradFill>
       </a:fillStyleLst>
       <a:lnStyleLst>
-        <a:ln w="9525" cap="flat" cmpd="sng" algn="ctr">
+        <a:ln w="12700" cap="flat" cmpd="sng" algn="ctr">
           <a:solidFill>
             <a:schemeClr val="phClr">
-              <a:shade val="95000"/>
-              <a:satMod val="105000"/>
+              <a:shade val="90000"/>
+              <a:lumMod val="90000"/>
+            </a:schemeClr>
+          </a:solidFill>
+          <a:prstDash val="solid"/>
+        </a:ln>
+        <a:ln w="19050" cap="flat" cmpd="sng" algn="ctr">
+          <a:solidFill>
+            <a:schemeClr val="phClr">
+              <a:shade val="75000"/>
+              <a:lumMod val="90000"/>
             </a:schemeClr>
           </a:solidFill>
           <a:prstDash val="solid"/>
@@ -3194,37 +5717,31 @@
           </a:solidFill>
           <a:prstDash val="solid"/>
         </a:ln>
-        <a:ln w="38100" cap="flat" cmpd="sng" algn="ctr">
-          <a:solidFill>
-            <a:schemeClr val="phClr"/>
-          </a:solidFill>
-          <a:prstDash val="solid"/>
-        </a:ln>
       </a:lnStyleLst>
       <a:effectStyleLst>
         <a:effectStyle>
           <a:effectLst>
-            <a:outerShdw blurRad="40000" dist="20000" dir="5400000" rotWithShape="0">
+            <a:outerShdw blurRad="38100" dist="12700" dir="5400000" rotWithShape="0">
               <a:srgbClr val="000000">
-                <a:alpha val="38000"/>
+                <a:alpha val="15000"/>
               </a:srgbClr>
             </a:outerShdw>
           </a:effectLst>
         </a:effectStyle>
         <a:effectStyle>
           <a:effectLst>
-            <a:outerShdw blurRad="40000" dist="23000" dir="5400000" rotWithShape="0">
+            <a:outerShdw blurRad="50800" dist="25400" dir="5400000" rotWithShape="0">
               <a:srgbClr val="000000">
-                <a:alpha val="35000"/>
+                <a:alpha val="46000"/>
               </a:srgbClr>
             </a:outerShdw>
           </a:effectLst>
         </a:effectStyle>
         <a:effectStyle>
           <a:effectLst>
-            <a:outerShdw blurRad="40000" dist="23000" dir="5400000" rotWithShape="0">
+            <a:outerShdw blurRad="50800" dist="25400" dir="5400000" rotWithShape="0">
               <a:srgbClr val="000000">
-                <a:alpha val="35000"/>
+                <a:alpha val="48000"/>
               </a:srgbClr>
             </a:outerShdw>
           </a:effectLst>
@@ -3232,64 +5749,57 @@
             <a:camera prst="orthographicFront">
               <a:rot lat="0" lon="0" rev="0"/>
             </a:camera>
-            <a:lightRig rig="threePt" dir="t">
-              <a:rot lat="0" lon="0" rev="1200000"/>
+            <a:lightRig rig="threePt" dir="tl">
+              <a:rot lat="0" lon="0" rev="2400000"/>
             </a:lightRig>
           </a:scene3d>
           <a:sp3d>
-            <a:bevelT w="63500" h="25400"/>
+            <a:bevelT w="25400" h="25400"/>
           </a:sp3d>
         </a:effectStyle>
       </a:effectStyleLst>
       <a:bgFillStyleLst>
         <a:solidFill>
-          <a:schemeClr val="phClr"/>
+          <a:schemeClr val="phClr">
+            <a:tint val="96000"/>
+            <a:lumMod val="110000"/>
+          </a:schemeClr>
         </a:solidFill>
-        <a:gradFill rotWithShape="1">
-          <a:gsLst>
-            <a:gs pos="0">
+        <a:blipFill rotWithShape="1">
+          <a:blip xmlns:r="http://schemas.openxmlformats.org/officeDocument/2006/relationships" r:embed="rId1">
+            <a:duotone>
               <a:schemeClr val="phClr">
-                <a:tint val="40000"/>
-                <a:satMod val="350000"/>
+                <a:tint val="93000"/>
+                <a:shade val="20000"/>
               </a:schemeClr>
-            </a:gs>
-            <a:gs pos="40000">
               <a:schemeClr val="phClr">
-                <a:tint val="45000"/>
-                <a:shade val="99000"/>
-                <a:satMod val="350000"/>
+                <a:tint val="90000"/>
+                <a:shade val="85000"/>
+                <a:satMod val="115000"/>
               </a:schemeClr>
-            </a:gs>
-            <a:gs pos="100000">
+            </a:duotone>
+          </a:blip>
+          <a:tile tx="0" ty="0" sx="60000" sy="60000" flip="none" algn="tl"/>
+        </a:blipFill>
+        <a:blipFill rotWithShape="1">
+          <a:blip xmlns:r="http://schemas.openxmlformats.org/officeDocument/2006/relationships" r:embed="rId2">
+            <a:duotone>
               <a:schemeClr val="phClr">
-                <a:shade val="20000"/>
-                <a:satMod val="255000"/>
+                <a:shade val="50000"/>
+                <a:satMod val="340000"/>
+                <a:lumMod val="40000"/>
               </a:schemeClr>
-            </a:gs>
-          </a:gsLst>
-          <a:path path="circle">
-            <a:fillToRect l="50000" t="-80000" r="50000" b="180000"/>
-          </a:path>
-        </a:gradFill>
-        <a:gradFill rotWithShape="1">
-          <a:gsLst>
-            <a:gs pos="0">
               <a:schemeClr val="phClr">
-                <a:tint val="80000"/>
-                <a:satMod val="300000"/>
+                <a:tint val="92000"/>
+                <a:shade val="94000"/>
+                <a:hueMod val="110000"/>
+                <a:satMod val="236000"/>
+                <a:lumMod val="120000"/>
               </a:schemeClr>
-            </a:gs>
-            <a:gs pos="100000">
-              <a:schemeClr val="phClr">
-                <a:shade val="30000"/>
-                <a:satMod val="200000"/>
-              </a:schemeClr>
-            </a:gs>
-          </a:gsLst>
-          <a:path path="circle">
-            <a:fillToRect l="50000" t="50000" r="50000" b="50000"/>
-          </a:path>
-        </a:gradFill>
+            </a:duotone>
+          </a:blip>
+          <a:stretch/>
+        </a:blipFill>
       </a:bgFillStyleLst>
     </a:fmtScheme>
   </a:themeElements>
